--- a/Group_7_Presentation.pptx
+++ b/Group_7_Presentation.pptx
@@ -10,9 +10,9 @@
   <p:sldIdLst>
     <p:sldId id="263" r:id="rId2"/>
     <p:sldId id="276" r:id="rId3"/>
-    <p:sldId id="271" r:id="rId4"/>
+    <p:sldId id="290" r:id="rId4"/>
     <p:sldId id="269" r:id="rId5"/>
-    <p:sldId id="290" r:id="rId6"/>
+    <p:sldId id="271" r:id="rId6"/>
     <p:sldId id="288" r:id="rId7"/>
     <p:sldId id="272" r:id="rId8"/>
     <p:sldId id="273" r:id="rId9"/>
@@ -5806,12 +5806,21 @@
         </p:nvSpPr>
         <p:spPr/>
         <p:txBody>
-          <a:bodyPr/>
-          <a:lstStyle/>
-          <a:p>
-            <a:r>
-              <a:rPr lang="en-US" dirty="0"/>
-              <a:t>Covid-19 Spending vs. Vaccination Rates</a:t>
+          <a:bodyPr>
+            <a:normAutofit/>
+          </a:bodyPr>
+          <a:lstStyle/>
+          <a:p>
+            <a:r>
+              <a:rPr lang="en-US" sz="6600" dirty="0"/>
+              <a:t>State and Local Fiscal Recovery Funds (SLFRF) Spending </a:t>
+            </a:r>
+            <a:br>
+              <a:rPr lang="en-US" sz="6600" dirty="0"/>
+            </a:br>
+            <a:r>
+              <a:rPr lang="en-US" sz="6600" dirty="0"/>
+              <a:t>vs. Vaccination Rates</a:t>
             </a:r>
           </a:p>
         </p:txBody>
@@ -5834,7 +5843,9 @@
         </p:nvSpPr>
         <p:spPr/>
         <p:txBody>
-          <a:bodyPr/>
+          <a:bodyPr>
+            <a:normAutofit fontScale="92500"/>
+          </a:bodyPr>
           <a:lstStyle/>
           <a:p>
             <a:r>
@@ -5849,7 +5860,7 @@
                   <a:schemeClr val="tx1"/>
                 </a:solidFill>
               </a:rPr>
-              <a:t>Aaliyah, Evan, Greg, Joanna, Kendal</a:t>
+              <a:t>Kendal Bergman, Joanna DeLaune, Aaliyah Lockett, Evan, Greg </a:t>
             </a:r>
           </a:p>
         </p:txBody>
@@ -5868,6 +5879,391 @@
 </file>
 
 <file path=ppt/slides/slide3.xml><?xml version="1.0" encoding="utf-8"?>
+<p:sld xmlns:a="http://schemas.openxmlformats.org/drawingml/2006/main" xmlns:r="http://schemas.openxmlformats.org/officeDocument/2006/relationships" xmlns:p="http://schemas.openxmlformats.org/presentationml/2006/main">
+  <p:cSld>
+    <p:spTree>
+      <p:nvGrpSpPr>
+        <p:cNvPr id="1" name=""/>
+        <p:cNvGrpSpPr/>
+        <p:nvPr/>
+      </p:nvGrpSpPr>
+      <p:grpSpPr>
+        <a:xfrm>
+          <a:off x="0" y="0"/>
+          <a:ext cx="0" cy="0"/>
+          <a:chOff x="0" y="0"/>
+          <a:chExt cx="0" cy="0"/>
+        </a:xfrm>
+      </p:grpSpPr>
+      <p:sp>
+        <p:nvSpPr>
+          <p:cNvPr id="2" name="Title 1">
+            <a:extLst>
+              <a:ext uri="{FF2B5EF4-FFF2-40B4-BE49-F238E27FC236}">
+                <a16:creationId xmlns:a16="http://schemas.microsoft.com/office/drawing/2014/main" id="{39A22D10-99F4-6D9D-7448-86DBB08D559F}"/>
+              </a:ext>
+            </a:extLst>
+          </p:cNvPr>
+          <p:cNvSpPr>
+            <a:spLocks noGrp="1"/>
+          </p:cNvSpPr>
+          <p:nvPr>
+            <p:ph type="title"/>
+          </p:nvPr>
+        </p:nvSpPr>
+        <p:spPr>
+          <a:xfrm>
+            <a:off x="239247" y="356992"/>
+            <a:ext cx="10058400" cy="935694"/>
+          </a:xfrm>
+        </p:spPr>
+        <p:txBody>
+          <a:bodyPr>
+            <a:normAutofit/>
+          </a:bodyPr>
+          <a:lstStyle/>
+          <a:p>
+            <a:r>
+              <a:rPr lang="en-US" sz="4000" dirty="0"/>
+              <a:t>ARPA and SLFRF</a:t>
+            </a:r>
+          </a:p>
+        </p:txBody>
+      </p:sp>
+      <p:sp>
+        <p:nvSpPr>
+          <p:cNvPr id="3" name="Content Placeholder 2">
+            <a:extLst>
+              <a:ext uri="{FF2B5EF4-FFF2-40B4-BE49-F238E27FC236}">
+                <a16:creationId xmlns:a16="http://schemas.microsoft.com/office/drawing/2014/main" id="{A1E24B08-F5BC-0810-C31A-7CF537655B28}"/>
+              </a:ext>
+            </a:extLst>
+          </p:cNvPr>
+          <p:cNvSpPr>
+            <a:spLocks noGrp="1"/>
+          </p:cNvSpPr>
+          <p:nvPr>
+            <p:ph sz="half" idx="1"/>
+          </p:nvPr>
+        </p:nvSpPr>
+        <p:spPr>
+          <a:xfrm>
+            <a:off x="1097280" y="1845734"/>
+            <a:ext cx="3950710" cy="4023360"/>
+          </a:xfrm>
+        </p:spPr>
+        <p:txBody>
+          <a:bodyPr>
+            <a:normAutofit/>
+          </a:bodyPr>
+          <a:lstStyle/>
+          <a:p>
+            <a:pPr>
+              <a:buFont typeface="Wingdings" panose="05000000000000000000" pitchFamily="2" charset="2"/>
+              <a:buChar char="§"/>
+            </a:pPr>
+            <a:r>
+              <a:rPr lang="en-US" dirty="0"/>
+              <a:t> </a:t>
+            </a:r>
+            <a:r>
+              <a:rPr lang="en-US" b="1" dirty="0"/>
+              <a:t>State and Local Fiscal Recovery Funds </a:t>
+            </a:r>
+            <a:r>
+              <a:rPr lang="en-US" dirty="0"/>
+              <a:t>(SLFRF) refers to the $350 billion allocated for state and local governments under the American Rescue Plan Act of 2021 (ARPA)</a:t>
+            </a:r>
+          </a:p>
+          <a:p>
+            <a:pPr>
+              <a:buFont typeface="Wingdings" panose="05000000000000000000" pitchFamily="2" charset="2"/>
+              <a:buChar char="§"/>
+            </a:pPr>
+            <a:r>
+              <a:rPr lang="en-US" dirty="0"/>
+              <a:t>Some states used almost all the money available to them by the end of Q4 2022.</a:t>
+            </a:r>
+          </a:p>
+          <a:p>
+            <a:pPr>
+              <a:buFont typeface="Wingdings" panose="05000000000000000000" pitchFamily="2" charset="2"/>
+              <a:buChar char="§"/>
+            </a:pPr>
+            <a:r>
+              <a:rPr lang="en-US" dirty="0"/>
+              <a:t>Other states have neither spent nor obligated (planned to use) the vast majority of money available to them.</a:t>
+            </a:r>
+          </a:p>
+        </p:txBody>
+      </p:sp>
+      <p:sp>
+        <p:nvSpPr>
+          <p:cNvPr id="5" name="Content Placeholder 4">
+            <a:extLst>
+              <a:ext uri="{FF2B5EF4-FFF2-40B4-BE49-F238E27FC236}">
+                <a16:creationId xmlns:a16="http://schemas.microsoft.com/office/drawing/2014/main" id="{35B0C97B-739A-C9A4-C461-B4789267AA75}"/>
+              </a:ext>
+            </a:extLst>
+          </p:cNvPr>
+          <p:cNvSpPr>
+            <a:spLocks noGrp="1"/>
+          </p:cNvSpPr>
+          <p:nvPr>
+            <p:ph sz="half" idx="2"/>
+          </p:nvPr>
+        </p:nvSpPr>
+        <p:spPr>
+          <a:xfrm>
+            <a:off x="6217920" y="1845735"/>
+            <a:ext cx="4937760" cy="3445356"/>
+          </a:xfrm>
+        </p:spPr>
+        <p:txBody>
+          <a:bodyPr>
+            <a:normAutofit/>
+          </a:bodyPr>
+          <a:lstStyle/>
+          <a:p>
+            <a:r>
+              <a:rPr lang="en-US" b="1" dirty="0"/>
+              <a:t>Statutory Eligible Uses for Funds</a:t>
+            </a:r>
+          </a:p>
+          <a:p>
+            <a:pPr>
+              <a:buFont typeface="Wingdings" panose="05000000000000000000" pitchFamily="2" charset="2"/>
+              <a:buChar char="q"/>
+            </a:pPr>
+            <a:r>
+              <a:rPr lang="en-US" dirty="0"/>
+              <a:t> Respond to COVID-19 public health emergency OR its negative economic impacts</a:t>
+            </a:r>
+          </a:p>
+          <a:p>
+            <a:pPr>
+              <a:buFont typeface="Wingdings" panose="05000000000000000000" pitchFamily="2" charset="2"/>
+              <a:buChar char="q"/>
+            </a:pPr>
+            <a:r>
+              <a:rPr lang="en-US" dirty="0"/>
+              <a:t> Programs for essential workers such as premium pay or grants for employers</a:t>
+            </a:r>
+          </a:p>
+          <a:p>
+            <a:pPr>
+              <a:buFont typeface="Wingdings" panose="05000000000000000000" pitchFamily="2" charset="2"/>
+              <a:buChar char="q"/>
+            </a:pPr>
+            <a:r>
+              <a:rPr lang="en-US" dirty="0"/>
+              <a:t> Replace reduced government revenue due to the COVID-19 public health emergency</a:t>
+            </a:r>
+          </a:p>
+          <a:p>
+            <a:pPr>
+              <a:buFont typeface="Wingdings" panose="05000000000000000000" pitchFamily="2" charset="2"/>
+              <a:buChar char="q"/>
+            </a:pPr>
+            <a:r>
+              <a:rPr lang="en-US" dirty="0"/>
+              <a:t> Make investments in water, sewer, or broadband infrastructure</a:t>
+            </a:r>
+          </a:p>
+        </p:txBody>
+      </p:sp>
+    </p:spTree>
+    <p:extLst>
+      <p:ext uri="{BB962C8B-B14F-4D97-AF65-F5344CB8AC3E}">
+        <p14:creationId xmlns:p14="http://schemas.microsoft.com/office/powerpoint/2010/main" val="3498476172"/>
+      </p:ext>
+    </p:extLst>
+  </p:cSld>
+  <p:clrMapOvr>
+    <a:masterClrMapping/>
+  </p:clrMapOvr>
+</p:sld>
+</file>
+
+<file path=ppt/slides/slide4.xml><?xml version="1.0" encoding="utf-8"?>
+<p:sld xmlns:a="http://schemas.openxmlformats.org/drawingml/2006/main" xmlns:r="http://schemas.openxmlformats.org/officeDocument/2006/relationships" xmlns:p="http://schemas.openxmlformats.org/presentationml/2006/main">
+  <p:cSld>
+    <p:spTree>
+      <p:nvGrpSpPr>
+        <p:cNvPr id="1" name=""/>
+        <p:cNvGrpSpPr/>
+        <p:nvPr/>
+      </p:nvGrpSpPr>
+      <p:grpSpPr>
+        <a:xfrm>
+          <a:off x="0" y="0"/>
+          <a:ext cx="0" cy="0"/>
+          <a:chOff x="0" y="0"/>
+          <a:chExt cx="0" cy="0"/>
+        </a:xfrm>
+      </p:grpSpPr>
+      <p:sp>
+        <p:nvSpPr>
+          <p:cNvPr id="2" name="Title 1">
+            <a:extLst>
+              <a:ext uri="{FF2B5EF4-FFF2-40B4-BE49-F238E27FC236}">
+                <a16:creationId xmlns:a16="http://schemas.microsoft.com/office/drawing/2014/main" id="{516AA0E4-679C-98A1-AAD2-B79F27E86F2D}"/>
+              </a:ext>
+            </a:extLst>
+          </p:cNvPr>
+          <p:cNvSpPr>
+            <a:spLocks noGrp="1"/>
+          </p:cNvSpPr>
+          <p:nvPr>
+            <p:ph type="title"/>
+          </p:nvPr>
+        </p:nvSpPr>
+        <p:spPr/>
+        <p:txBody>
+          <a:bodyPr>
+            <a:normAutofit/>
+          </a:bodyPr>
+          <a:lstStyle/>
+          <a:p>
+            <a:r>
+              <a:rPr lang="en-US" dirty="0"/>
+              <a:t>Questions that you found interesting and what motivated you to answer them</a:t>
+            </a:r>
+          </a:p>
+        </p:txBody>
+      </p:sp>
+      <p:sp>
+        <p:nvSpPr>
+          <p:cNvPr id="3" name="Content Placeholder 2">
+            <a:extLst>
+              <a:ext uri="{FF2B5EF4-FFF2-40B4-BE49-F238E27FC236}">
+                <a16:creationId xmlns:a16="http://schemas.microsoft.com/office/drawing/2014/main" id="{264C10B3-8E95-F7CC-08C1-580CF9EEFDD4}"/>
+              </a:ext>
+            </a:extLst>
+          </p:cNvPr>
+          <p:cNvSpPr>
+            <a:spLocks noGrp="1"/>
+          </p:cNvSpPr>
+          <p:nvPr>
+            <p:ph idx="1"/>
+          </p:nvPr>
+        </p:nvSpPr>
+        <p:spPr>
+          <a:xfrm>
+            <a:off x="1097279" y="1845734"/>
+            <a:ext cx="5552095" cy="4023360"/>
+          </a:xfrm>
+        </p:spPr>
+        <p:txBody>
+          <a:bodyPr>
+            <a:normAutofit/>
+          </a:bodyPr>
+          <a:lstStyle/>
+          <a:p>
+            <a:r>
+              <a:rPr lang="en-US" dirty="0"/>
+              <a:t>Did states that used this money on programs to improve the vaccine uptake for their residents have higher rates of vaccination?</a:t>
+            </a:r>
+          </a:p>
+          <a:p>
+            <a:pPr>
+              <a:buFont typeface="Wingdings" panose="05000000000000000000" pitchFamily="2" charset="2"/>
+              <a:buChar char="§"/>
+            </a:pPr>
+            <a:r>
+              <a:rPr lang="en-US" dirty="0"/>
+              <a:t> </a:t>
+            </a:r>
+            <a:r>
+              <a:rPr lang="en-US" b="1" dirty="0"/>
+              <a:t>Q1: </a:t>
+            </a:r>
+            <a:r>
+              <a:rPr lang="en-US" dirty="0"/>
+              <a:t>Did states that spent a higher total $ amount of fed budget on vaccine projects have higher rates of vaccination?</a:t>
+            </a:r>
+          </a:p>
+          <a:p>
+            <a:pPr>
+              <a:buFont typeface="Wingdings" panose="05000000000000000000" pitchFamily="2" charset="2"/>
+              <a:buChar char="§"/>
+            </a:pPr>
+            <a:r>
+              <a:rPr lang="en-US" dirty="0"/>
+              <a:t> </a:t>
+            </a:r>
+            <a:r>
+              <a:rPr lang="en-US" b="1" dirty="0"/>
+              <a:t>Q2: </a:t>
+            </a:r>
+            <a:r>
+              <a:rPr lang="en-US" dirty="0"/>
+              <a:t>Did states that had more vaccine-related projects have higher rates of vaccination?</a:t>
+            </a:r>
+          </a:p>
+          <a:p>
+            <a:pPr marL="0" indent="0">
+              <a:buNone/>
+            </a:pPr>
+            <a:endParaRPr lang="en-US" dirty="0"/>
+          </a:p>
+        </p:txBody>
+      </p:sp>
+      <p:pic>
+        <p:nvPicPr>
+          <p:cNvPr id="4" name="Content Placeholder 5">
+            <a:extLst>
+              <a:ext uri="{FF2B5EF4-FFF2-40B4-BE49-F238E27FC236}">
+                <a16:creationId xmlns:a16="http://schemas.microsoft.com/office/drawing/2014/main" id="{1557966F-96AA-AEA1-484C-EF32691D85B2}"/>
+              </a:ext>
+            </a:extLst>
+          </p:cNvPr>
+          <p:cNvPicPr>
+            <a:picLocks noChangeAspect="1"/>
+          </p:cNvPicPr>
+          <p:nvPr/>
+        </p:nvPicPr>
+        <p:blipFill>
+          <a:blip r:embed="rId2">
+            <a:extLst>
+              <a:ext uri="{28A0092B-C50C-407E-A947-70E740481C1C}">
+                <a14:useLocalDpi xmlns:a14="http://schemas.microsoft.com/office/drawing/2010/main" val="0"/>
+              </a:ext>
+            </a:extLst>
+          </a:blip>
+          <a:stretch>
+            <a:fillRect/>
+          </a:stretch>
+        </p:blipFill>
+        <p:spPr>
+          <a:xfrm>
+            <a:off x="6862176" y="1845734"/>
+            <a:ext cx="4821887" cy="4023360"/>
+          </a:xfrm>
+          <a:prstGeom prst="rect">
+            <a:avLst/>
+          </a:prstGeom>
+          <a:ln>
+            <a:solidFill>
+              <a:schemeClr val="tx1"/>
+            </a:solidFill>
+          </a:ln>
+        </p:spPr>
+      </p:pic>
+    </p:spTree>
+    <p:extLst>
+      <p:ext uri="{BB962C8B-B14F-4D97-AF65-F5344CB8AC3E}">
+        <p14:creationId xmlns:p14="http://schemas.microsoft.com/office/powerpoint/2010/main" val="1149720348"/>
+      </p:ext>
+    </p:extLst>
+  </p:cSld>
+  <p:clrMapOvr>
+    <a:masterClrMapping/>
+  </p:clrMapOvr>
+</p:sld>
+</file>
+
+<file path=ppt/slides/slide5.xml><?xml version="1.0" encoding="utf-8"?>
 <p:sld xmlns:a="http://schemas.openxmlformats.org/drawingml/2006/main" xmlns:r="http://schemas.openxmlformats.org/officeDocument/2006/relationships" xmlns:p="http://schemas.openxmlformats.org/presentationml/2006/main">
   <p:cSld>
     <p:spTree>
@@ -6169,269 +6565,22 @@
           </a:prstGeom>
         </p:spPr>
       </p:pic>
-    </p:spTree>
-    <p:extLst>
-      <p:ext uri="{BB962C8B-B14F-4D97-AF65-F5344CB8AC3E}">
-        <p14:creationId xmlns:p14="http://schemas.microsoft.com/office/powerpoint/2010/main" val="1472211333"/>
-      </p:ext>
-    </p:extLst>
-  </p:cSld>
-  <p:clrMapOvr>
-    <a:masterClrMapping/>
-  </p:clrMapOvr>
-</p:sld>
-</file>
-
-<file path=ppt/slides/slide4.xml><?xml version="1.0" encoding="utf-8"?>
-<p:sld xmlns:a="http://schemas.openxmlformats.org/drawingml/2006/main" xmlns:r="http://schemas.openxmlformats.org/officeDocument/2006/relationships" xmlns:p="http://schemas.openxmlformats.org/presentationml/2006/main">
-  <p:cSld>
-    <p:spTree>
-      <p:nvGrpSpPr>
-        <p:cNvPr id="1" name=""/>
-        <p:cNvGrpSpPr/>
-        <p:nvPr/>
-      </p:nvGrpSpPr>
-      <p:grpSpPr>
-        <a:xfrm>
-          <a:off x="0" y="0"/>
-          <a:ext cx="0" cy="0"/>
-          <a:chOff x="0" y="0"/>
-          <a:chExt cx="0" cy="0"/>
-        </a:xfrm>
-      </p:grpSpPr>
-      <p:sp>
-        <p:nvSpPr>
-          <p:cNvPr id="2" name="Title 1">
+      <p:pic>
+        <p:nvPicPr>
+          <p:cNvPr id="6" name="Picture 5" descr="A group of people in a crowd&#10;&#10;Description automatically generated with medium confidence">
             <a:extLst>
               <a:ext uri="{FF2B5EF4-FFF2-40B4-BE49-F238E27FC236}">
-                <a16:creationId xmlns:a16="http://schemas.microsoft.com/office/drawing/2014/main" id="{516AA0E4-679C-98A1-AAD2-B79F27E86F2D}"/>
-              </a:ext>
-            </a:extLst>
-          </p:cNvPr>
-          <p:cNvSpPr>
-            <a:spLocks noGrp="1"/>
-          </p:cNvSpPr>
-          <p:nvPr>
-            <p:ph type="title"/>
-          </p:nvPr>
-        </p:nvSpPr>
-        <p:spPr/>
-        <p:txBody>
-          <a:bodyPr>
-            <a:normAutofit/>
-          </a:bodyPr>
-          <a:lstStyle/>
-          <a:p>
-            <a:r>
-              <a:rPr lang="en-US" dirty="0"/>
-              <a:t>Questions that you found interesting and what motivated you to answer them</a:t>
-            </a:r>
-          </a:p>
-        </p:txBody>
-      </p:sp>
-      <p:sp>
-        <p:nvSpPr>
-          <p:cNvPr id="3" name="Content Placeholder 2">
-            <a:extLst>
-              <a:ext uri="{FF2B5EF4-FFF2-40B4-BE49-F238E27FC236}">
-                <a16:creationId xmlns:a16="http://schemas.microsoft.com/office/drawing/2014/main" id="{264C10B3-8E95-F7CC-08C1-580CF9EEFDD4}"/>
-              </a:ext>
-            </a:extLst>
-          </p:cNvPr>
-          <p:cNvSpPr>
-            <a:spLocks noGrp="1"/>
-          </p:cNvSpPr>
-          <p:nvPr>
-            <p:ph idx="1"/>
-          </p:nvPr>
-        </p:nvSpPr>
-        <p:spPr/>
-        <p:txBody>
-          <a:bodyPr>
-            <a:normAutofit/>
-          </a:bodyPr>
-          <a:lstStyle/>
-          <a:p>
-            <a:r>
-              <a:rPr lang="en-US" dirty="0"/>
-              <a:t>Did states that spent a higher percentage of their federally-granted budget have higher rates of vaccination?</a:t>
-            </a:r>
-          </a:p>
-          <a:p>
-            <a:pPr>
-              <a:buFont typeface="Wingdings" panose="05000000000000000000" pitchFamily="2" charset="2"/>
-              <a:buChar char="§"/>
-            </a:pPr>
-            <a:r>
-              <a:rPr lang="en-US" dirty="0"/>
-              <a:t> Did states that spent a higher total $ amount of fed budget on vaccine projects have higher rates of vaccination?</a:t>
-            </a:r>
-          </a:p>
-          <a:p>
-            <a:pPr>
-              <a:buFont typeface="Wingdings" panose="05000000000000000000" pitchFamily="2" charset="2"/>
-              <a:buChar char="§"/>
-            </a:pPr>
-            <a:r>
-              <a:rPr lang="en-US" dirty="0"/>
-              <a:t> Did states that had more vaccine-related projects have higher rates of vaccination?</a:t>
-            </a:r>
-          </a:p>
-          <a:p>
-            <a:pPr>
-              <a:buFont typeface="Wingdings" panose="05000000000000000000" pitchFamily="2" charset="2"/>
-              <a:buChar char="§"/>
-            </a:pPr>
-            <a:endParaRPr lang="en-US" dirty="0"/>
-          </a:p>
-          <a:p>
-            <a:pPr>
-              <a:buFont typeface="Wingdings" panose="05000000000000000000" pitchFamily="2" charset="2"/>
-              <a:buChar char="§"/>
-            </a:pPr>
-            <a:r>
-              <a:rPr lang="en-US" dirty="0"/>
-              <a:t> What Covid project categories did higher vaccination rate states initiate?</a:t>
-            </a:r>
-          </a:p>
-          <a:p>
-            <a:pPr lvl="1">
-              <a:buFont typeface="Wingdings" panose="05000000000000000000" pitchFamily="2" charset="2"/>
-              <a:buChar char="§"/>
-            </a:pPr>
-            <a:r>
-              <a:rPr lang="en-US" dirty="0"/>
-              <a:t>Were there similarities in project categories between these high vaccination states?</a:t>
-            </a:r>
-          </a:p>
-          <a:p>
-            <a:pPr marL="0" indent="0">
-              <a:buNone/>
-            </a:pPr>
-            <a:endParaRPr lang="en-US" dirty="0"/>
-          </a:p>
-        </p:txBody>
-      </p:sp>
-    </p:spTree>
-    <p:extLst>
-      <p:ext uri="{BB962C8B-B14F-4D97-AF65-F5344CB8AC3E}">
-        <p14:creationId xmlns:p14="http://schemas.microsoft.com/office/powerpoint/2010/main" val="1149720348"/>
-      </p:ext>
-    </p:extLst>
-  </p:cSld>
-  <p:clrMapOvr>
-    <a:masterClrMapping/>
-  </p:clrMapOvr>
-</p:sld>
-</file>
-
-<file path=ppt/slides/slide5.xml><?xml version="1.0" encoding="utf-8"?>
-<p:sld xmlns:a="http://schemas.openxmlformats.org/drawingml/2006/main" xmlns:r="http://schemas.openxmlformats.org/officeDocument/2006/relationships" xmlns:p="http://schemas.openxmlformats.org/presentationml/2006/main">
-  <p:cSld>
-    <p:spTree>
-      <p:nvGrpSpPr>
-        <p:cNvPr id="1" name=""/>
-        <p:cNvGrpSpPr/>
-        <p:nvPr/>
-      </p:nvGrpSpPr>
-      <p:grpSpPr>
-        <a:xfrm>
-          <a:off x="0" y="0"/>
-          <a:ext cx="0" cy="0"/>
-          <a:chOff x="0" y="0"/>
-          <a:chExt cx="0" cy="0"/>
-        </a:xfrm>
-      </p:grpSpPr>
-      <p:sp>
-        <p:nvSpPr>
-          <p:cNvPr id="2" name="Title 1">
-            <a:extLst>
-              <a:ext uri="{FF2B5EF4-FFF2-40B4-BE49-F238E27FC236}">
-                <a16:creationId xmlns:a16="http://schemas.microsoft.com/office/drawing/2014/main" id="{39A22D10-99F4-6D9D-7448-86DBB08D559F}"/>
-              </a:ext>
-            </a:extLst>
-          </p:cNvPr>
-          <p:cNvSpPr>
-            <a:spLocks noGrp="1"/>
-          </p:cNvSpPr>
-          <p:nvPr>
-            <p:ph type="title"/>
-          </p:nvPr>
-        </p:nvSpPr>
-        <p:spPr>
-          <a:xfrm>
-            <a:off x="239247" y="356992"/>
-            <a:ext cx="10058400" cy="935694"/>
-          </a:xfrm>
-        </p:spPr>
-        <p:txBody>
-          <a:bodyPr>
-            <a:normAutofit/>
-          </a:bodyPr>
-          <a:lstStyle/>
-          <a:p>
-            <a:r>
-              <a:rPr lang="en-US" sz="4000" dirty="0"/>
-              <a:t>ARPA and SLFRF</a:t>
-            </a:r>
-          </a:p>
-        </p:txBody>
-      </p:sp>
-      <p:sp>
-        <p:nvSpPr>
-          <p:cNvPr id="3" name="Content Placeholder 2">
-            <a:extLst>
-              <a:ext uri="{FF2B5EF4-FFF2-40B4-BE49-F238E27FC236}">
-                <a16:creationId xmlns:a16="http://schemas.microsoft.com/office/drawing/2014/main" id="{A1E24B08-F5BC-0810-C31A-7CF537655B28}"/>
-              </a:ext>
-            </a:extLst>
-          </p:cNvPr>
-          <p:cNvSpPr>
-            <a:spLocks noGrp="1"/>
-          </p:cNvSpPr>
-          <p:nvPr>
-            <p:ph sz="half" idx="1"/>
-          </p:nvPr>
-        </p:nvSpPr>
-        <p:spPr>
-          <a:xfrm>
-            <a:off x="1097280" y="1845734"/>
-            <a:ext cx="3950710" cy="4023360"/>
-          </a:xfrm>
-        </p:spPr>
-        <p:txBody>
-          <a:bodyPr/>
-          <a:lstStyle/>
-          <a:p>
-            <a:pPr>
-              <a:buFont typeface="Wingdings" panose="05000000000000000000" pitchFamily="2" charset="2"/>
-              <a:buChar char="§"/>
-            </a:pPr>
-            <a:r>
-              <a:rPr lang="en-US" dirty="0"/>
-              <a:t> State and Local Fiscal Recovery Funds (SLFRF) refers to the $350 billion allocated for state and local governments under the American Rescue Plan Act of 2021 (ARPA)</a:t>
-            </a:r>
-          </a:p>
-        </p:txBody>
-      </p:sp>
-      <p:pic>
-        <p:nvPicPr>
-          <p:cNvPr id="6" name="Content Placeholder 5">
-            <a:extLst>
-              <a:ext uri="{FF2B5EF4-FFF2-40B4-BE49-F238E27FC236}">
-                <a16:creationId xmlns:a16="http://schemas.microsoft.com/office/drawing/2014/main" id="{8F7DB739-4CAE-D3C3-F387-BDA43BA4A92C}"/>
+                <a16:creationId xmlns:a16="http://schemas.microsoft.com/office/drawing/2014/main" id="{7F00852F-7FE0-1118-090A-DB850796F5DB}"/>
               </a:ext>
             </a:extLst>
           </p:cNvPr>
           <p:cNvPicPr>
-            <a:picLocks noGrp="1" noChangeAspect="1"/>
+            <a:picLocks noChangeAspect="1"/>
           </p:cNvPicPr>
-          <p:nvPr>
-            <p:ph sz="half" idx="2"/>
-          </p:nvPr>
+          <p:nvPr/>
         </p:nvPicPr>
         <p:blipFill>
-          <a:blip r:embed="rId2">
+          <a:blip r:embed="rId6">
             <a:extLst>
               <a:ext uri="{28A0092B-C50C-407E-A947-70E740481C1C}">
                 <a14:useLocalDpi xmlns:a14="http://schemas.microsoft.com/office/drawing/2010/main" val="0"/>
@@ -6444,20 +6593,18 @@
         </p:blipFill>
         <p:spPr>
           <a:xfrm>
-            <a:off x="5329826" y="497522"/>
-            <a:ext cx="6437682" cy="5371572"/>
+            <a:off x="9492614" y="4700088"/>
+            <a:ext cx="1602106" cy="841106"/>
           </a:xfrm>
-          <a:ln>
-            <a:solidFill>
-              <a:schemeClr val="tx1"/>
-            </a:solidFill>
-          </a:ln>
+          <a:prstGeom prst="rect">
+            <a:avLst/>
+          </a:prstGeom>
         </p:spPr>
       </p:pic>
     </p:spTree>
     <p:extLst>
       <p:ext uri="{BB962C8B-B14F-4D97-AF65-F5344CB8AC3E}">
-        <p14:creationId xmlns:p14="http://schemas.microsoft.com/office/powerpoint/2010/main" val="3498476172"/>
+        <p14:creationId xmlns:p14="http://schemas.microsoft.com/office/powerpoint/2010/main" val="1472211333"/>
       </p:ext>
     </p:extLst>
   </p:cSld>
@@ -6544,7 +6691,7 @@
         </p:blipFill>
         <p:spPr>
           <a:xfrm>
-            <a:off x="1096963" y="2184713"/>
+            <a:off x="856802" y="2095276"/>
             <a:ext cx="4938712" cy="3345824"/>
           </a:xfrm>
         </p:spPr>

--- a/Group_7_Presentation.pptx
+++ b/Group_7_Presentation.pptx
@@ -5844,7 +5844,7 @@
         <p:spPr/>
         <p:txBody>
           <a:bodyPr>
-            <a:normAutofit fontScale="92500"/>
+            <a:normAutofit fontScale="92500" lnSpcReduction="10000"/>
           </a:bodyPr>
           <a:lstStyle/>
           <a:p>
@@ -5860,7 +5860,7 @@
                   <a:schemeClr val="tx1"/>
                 </a:solidFill>
               </a:rPr>
-              <a:t>Kendal Bergman, Joanna DeLaune, Aaliyah Lockett, Evan, Greg </a:t>
+              <a:t>Kendal Bergman, Joanna DeLaune, Aaliyah Lockett, Greg Michalak, Evan Sprecher</a:t>
             </a:r>
           </a:p>
         </p:txBody>

--- a/Group_7_Presentation.pptx
+++ b/Group_7_Presentation.pptx
@@ -5,25 +5,26 @@
     <p:sldMasterId id="2147483696" r:id="rId1"/>
   </p:sldMasterIdLst>
   <p:notesMasterIdLst>
-    <p:notesMasterId r:id="rId18"/>
+    <p:notesMasterId r:id="rId19"/>
   </p:notesMasterIdLst>
   <p:sldIdLst>
-    <p:sldId id="263" r:id="rId2"/>
-    <p:sldId id="276" r:id="rId3"/>
-    <p:sldId id="290" r:id="rId4"/>
-    <p:sldId id="269" r:id="rId5"/>
-    <p:sldId id="271" r:id="rId6"/>
-    <p:sldId id="288" r:id="rId7"/>
-    <p:sldId id="272" r:id="rId8"/>
-    <p:sldId id="273" r:id="rId9"/>
-    <p:sldId id="283" r:id="rId10"/>
-    <p:sldId id="284" r:id="rId11"/>
-    <p:sldId id="285" r:id="rId12"/>
-    <p:sldId id="286" r:id="rId13"/>
-    <p:sldId id="287" r:id="rId14"/>
-    <p:sldId id="282" r:id="rId15"/>
+    <p:sldId id="276" r:id="rId2"/>
+    <p:sldId id="290" r:id="rId3"/>
+    <p:sldId id="269" r:id="rId4"/>
+    <p:sldId id="271" r:id="rId5"/>
+    <p:sldId id="288" r:id="rId6"/>
+    <p:sldId id="272" r:id="rId7"/>
+    <p:sldId id="283" r:id="rId8"/>
+    <p:sldId id="284" r:id="rId9"/>
+    <p:sldId id="285" r:id="rId10"/>
+    <p:sldId id="286" r:id="rId11"/>
+    <p:sldId id="287" r:id="rId12"/>
+    <p:sldId id="294" r:id="rId13"/>
+    <p:sldId id="292" r:id="rId14"/>
+    <p:sldId id="293" r:id="rId15"/>
     <p:sldId id="274" r:id="rId16"/>
     <p:sldId id="275" r:id="rId17"/>
+    <p:sldId id="295" r:id="rId18"/>
   </p:sldIdLst>
   <p:sldSz cx="12192000" cy="6858000"/>
   <p:notesSz cx="6858000" cy="9144000"/>
@@ -547,7 +548,7 @@
           <a:p>
             <a:fld id="{F1D59B1D-B0BC-4C10-A0E9-E068C37A006F}" type="slidenum">
               <a:rPr lang="en-US" smtClean="0"/>
-              <a:t>11</a:t>
+              <a:t>9</a:t>
             </a:fld>
             <a:endParaRPr lang="en-US"/>
           </a:p>
@@ -634,7 +635,7 @@
           <a:p>
             <a:fld id="{F1D59B1D-B0BC-4C10-A0E9-E068C37A006F}" type="slidenum">
               <a:rPr lang="en-US" smtClean="0"/>
-              <a:t>12</a:t>
+              <a:t>10</a:t>
             </a:fld>
             <a:endParaRPr lang="en-US"/>
           </a:p>
@@ -644,6 +645,307 @@
     <p:extLst>
       <p:ext uri="{BB962C8B-B14F-4D97-AF65-F5344CB8AC3E}">
         <p14:creationId xmlns:p14="http://schemas.microsoft.com/office/powerpoint/2010/main" val="1469000861"/>
+      </p:ext>
+    </p:extLst>
+  </p:cSld>
+  <p:clrMapOvr>
+    <a:masterClrMapping/>
+  </p:clrMapOvr>
+</p:notes>
+</file>
+
+<file path=ppt/notesSlides/notesSlide3.xml><?xml version="1.0" encoding="utf-8"?>
+<p:notes xmlns:a="http://schemas.openxmlformats.org/drawingml/2006/main" xmlns:r="http://schemas.openxmlformats.org/officeDocument/2006/relationships" xmlns:p="http://schemas.openxmlformats.org/presentationml/2006/main">
+  <p:cSld>
+    <p:spTree>
+      <p:nvGrpSpPr>
+        <p:cNvPr id="1" name=""/>
+        <p:cNvGrpSpPr/>
+        <p:nvPr/>
+      </p:nvGrpSpPr>
+      <p:grpSpPr>
+        <a:xfrm>
+          <a:off x="0" y="0"/>
+          <a:ext cx="0" cy="0"/>
+          <a:chOff x="0" y="0"/>
+          <a:chExt cx="0" cy="0"/>
+        </a:xfrm>
+      </p:grpSpPr>
+      <p:sp>
+        <p:nvSpPr>
+          <p:cNvPr id="2" name="Slide Image Placeholder 1"/>
+          <p:cNvSpPr>
+            <a:spLocks noGrp="1" noRot="1" noChangeAspect="1"/>
+          </p:cNvSpPr>
+          <p:nvPr>
+            <p:ph type="sldImg"/>
+          </p:nvPr>
+        </p:nvSpPr>
+        <p:spPr/>
+      </p:sp>
+      <p:sp>
+        <p:nvSpPr>
+          <p:cNvPr id="3" name="Notes Placeholder 2"/>
+          <p:cNvSpPr>
+            <a:spLocks noGrp="1"/>
+          </p:cNvSpPr>
+          <p:nvPr>
+            <p:ph type="body" idx="1"/>
+          </p:nvPr>
+        </p:nvSpPr>
+        <p:spPr/>
+        <p:txBody>
+          <a:bodyPr/>
+          <a:lstStyle/>
+          <a:p>
+            <a:r>
+              <a:rPr lang="en-US" dirty="0"/>
+              <a:t>Read off tiny text: “Distribution of Vaccination Rates Across U.S. States”</a:t>
+            </a:r>
+            <a:br>
+              <a:rPr lang="en-US" dirty="0"/>
+            </a:br>
+            <a:r>
+              <a:rPr lang="en-US" dirty="0"/>
+              <a:t>Box plots are, from left to right: % of Population Fully Vaccinated, % of Population Partially or Fully Vaccinated (at least one dose), % of Population Age 65+ Fully Vaccinated, and % of Population Age 65+ with Bivalent Booster</a:t>
+            </a:r>
+          </a:p>
+          <a:p>
+            <a:r>
+              <a:rPr lang="en-US" dirty="0"/>
+              <a:t>This chart shows the dramatic drop-off in uptake of the bivalent booster in even the 65+ age group which had extremely high participation in the initial vaccination series.</a:t>
+            </a:r>
+          </a:p>
+        </p:txBody>
+      </p:sp>
+      <p:sp>
+        <p:nvSpPr>
+          <p:cNvPr id="4" name="Slide Number Placeholder 3"/>
+          <p:cNvSpPr>
+            <a:spLocks noGrp="1"/>
+          </p:cNvSpPr>
+          <p:nvPr>
+            <p:ph type="sldNum" sz="quarter" idx="5"/>
+          </p:nvPr>
+        </p:nvSpPr>
+        <p:spPr/>
+        <p:txBody>
+          <a:bodyPr/>
+          <a:lstStyle/>
+          <a:p>
+            <a:fld id="{F1D59B1D-B0BC-4C10-A0E9-E068C37A006F}" type="slidenum">
+              <a:rPr lang="en-US" smtClean="0"/>
+              <a:t>11</a:t>
+            </a:fld>
+            <a:endParaRPr lang="en-US"/>
+          </a:p>
+        </p:txBody>
+      </p:sp>
+    </p:spTree>
+    <p:extLst>
+      <p:ext uri="{BB962C8B-B14F-4D97-AF65-F5344CB8AC3E}">
+        <p14:creationId xmlns:p14="http://schemas.microsoft.com/office/powerpoint/2010/main" val="89464499"/>
+      </p:ext>
+    </p:extLst>
+  </p:cSld>
+  <p:clrMapOvr>
+    <a:masterClrMapping/>
+  </p:clrMapOvr>
+</p:notes>
+</file>
+
+<file path=ppt/notesSlides/notesSlide4.xml><?xml version="1.0" encoding="utf-8"?>
+<p:notes xmlns:a="http://schemas.openxmlformats.org/drawingml/2006/main" xmlns:r="http://schemas.openxmlformats.org/officeDocument/2006/relationships" xmlns:p="http://schemas.openxmlformats.org/presentationml/2006/main">
+  <p:cSld>
+    <p:spTree>
+      <p:nvGrpSpPr>
+        <p:cNvPr id="1" name=""/>
+        <p:cNvGrpSpPr/>
+        <p:nvPr/>
+      </p:nvGrpSpPr>
+      <p:grpSpPr>
+        <a:xfrm>
+          <a:off x="0" y="0"/>
+          <a:ext cx="0" cy="0"/>
+          <a:chOff x="0" y="0"/>
+          <a:chExt cx="0" cy="0"/>
+        </a:xfrm>
+      </p:grpSpPr>
+      <p:sp>
+        <p:nvSpPr>
+          <p:cNvPr id="2" name="Slide Image Placeholder 1"/>
+          <p:cNvSpPr>
+            <a:spLocks noGrp="1" noRot="1" noChangeAspect="1"/>
+          </p:cNvSpPr>
+          <p:nvPr>
+            <p:ph type="sldImg"/>
+          </p:nvPr>
+        </p:nvSpPr>
+        <p:spPr/>
+      </p:sp>
+      <p:sp>
+        <p:nvSpPr>
+          <p:cNvPr id="3" name="Notes Placeholder 2"/>
+          <p:cNvSpPr>
+            <a:spLocks noGrp="1"/>
+          </p:cNvSpPr>
+          <p:nvPr>
+            <p:ph type="body" idx="1"/>
+          </p:nvPr>
+        </p:nvSpPr>
+        <p:spPr/>
+        <p:txBody>
+          <a:bodyPr/>
+          <a:lstStyle/>
+          <a:p>
+            <a:pPr marL="0" marR="0" lvl="0" indent="0" algn="l" defTabSz="914400" rtl="0" eaLnBrk="1" fontAlgn="auto" latinLnBrk="0" hangingPunct="1">
+              <a:lnSpc>
+                <a:spcPct val="100000"/>
+              </a:lnSpc>
+              <a:spcBef>
+                <a:spcPts val="0"/>
+              </a:spcBef>
+              <a:spcAft>
+                <a:spcPts val="0"/>
+              </a:spcAft>
+              <a:buClrTx/>
+              <a:buSzTx/>
+              <a:buFontTx/>
+              <a:buNone/>
+              <a:tabLst/>
+              <a:defRPr/>
+            </a:pPr>
+            <a:r>
+              <a:rPr lang="en-US" dirty="0">
+                <a:solidFill>
+                  <a:schemeClr val="tx1">
+                    <a:lumMod val="85000"/>
+                    <a:lumOff val="15000"/>
+                  </a:schemeClr>
+                </a:solidFill>
+              </a:rPr>
+              <a:t>ARPA was not passed until March 2021 and the interim rule on how funds should be spent was not in place until May 2021. Many people may have received their initial dose of vaccine or even complete series before projects funded by this program were planned and launched.</a:t>
+            </a:r>
+          </a:p>
+          <a:p>
+            <a:endParaRPr lang="en-US" dirty="0"/>
+          </a:p>
+        </p:txBody>
+      </p:sp>
+      <p:sp>
+        <p:nvSpPr>
+          <p:cNvPr id="4" name="Slide Number Placeholder 3"/>
+          <p:cNvSpPr>
+            <a:spLocks noGrp="1"/>
+          </p:cNvSpPr>
+          <p:nvPr>
+            <p:ph type="sldNum" sz="quarter" idx="5"/>
+          </p:nvPr>
+        </p:nvSpPr>
+        <p:spPr/>
+        <p:txBody>
+          <a:bodyPr/>
+          <a:lstStyle/>
+          <a:p>
+            <a:fld id="{F1D59B1D-B0BC-4C10-A0E9-E068C37A006F}" type="slidenum">
+              <a:rPr lang="en-US" smtClean="0"/>
+              <a:t>15</a:t>
+            </a:fld>
+            <a:endParaRPr lang="en-US"/>
+          </a:p>
+        </p:txBody>
+      </p:sp>
+    </p:spTree>
+    <p:extLst>
+      <p:ext uri="{BB962C8B-B14F-4D97-AF65-F5344CB8AC3E}">
+        <p14:creationId xmlns:p14="http://schemas.microsoft.com/office/powerpoint/2010/main" val="37230808"/>
+      </p:ext>
+    </p:extLst>
+  </p:cSld>
+  <p:clrMapOvr>
+    <a:masterClrMapping/>
+  </p:clrMapOvr>
+</p:notes>
+</file>
+
+<file path=ppt/notesSlides/notesSlide5.xml><?xml version="1.0" encoding="utf-8"?>
+<p:notes xmlns:a="http://schemas.openxmlformats.org/drawingml/2006/main" xmlns:r="http://schemas.openxmlformats.org/officeDocument/2006/relationships" xmlns:p="http://schemas.openxmlformats.org/presentationml/2006/main">
+  <p:cSld>
+    <p:spTree>
+      <p:nvGrpSpPr>
+        <p:cNvPr id="1" name=""/>
+        <p:cNvGrpSpPr/>
+        <p:nvPr/>
+      </p:nvGrpSpPr>
+      <p:grpSpPr>
+        <a:xfrm>
+          <a:off x="0" y="0"/>
+          <a:ext cx="0" cy="0"/>
+          <a:chOff x="0" y="0"/>
+          <a:chExt cx="0" cy="0"/>
+        </a:xfrm>
+      </p:grpSpPr>
+      <p:sp>
+        <p:nvSpPr>
+          <p:cNvPr id="2" name="Slide Image Placeholder 1"/>
+          <p:cNvSpPr>
+            <a:spLocks noGrp="1" noRot="1" noChangeAspect="1"/>
+          </p:cNvSpPr>
+          <p:nvPr>
+            <p:ph type="sldImg"/>
+          </p:nvPr>
+        </p:nvSpPr>
+        <p:spPr/>
+      </p:sp>
+      <p:sp>
+        <p:nvSpPr>
+          <p:cNvPr id="3" name="Notes Placeholder 2"/>
+          <p:cNvSpPr>
+            <a:spLocks noGrp="1"/>
+          </p:cNvSpPr>
+          <p:nvPr>
+            <p:ph type="body" idx="1"/>
+          </p:nvPr>
+        </p:nvSpPr>
+        <p:spPr/>
+        <p:txBody>
+          <a:bodyPr/>
+          <a:lstStyle/>
+          <a:p>
+            <a:r>
+              <a:rPr lang="en-US" dirty="0"/>
+              <a:t>Refer to box plot on Slide 13 for bivalent vaccine drop-off</a:t>
+            </a:r>
+          </a:p>
+        </p:txBody>
+      </p:sp>
+      <p:sp>
+        <p:nvSpPr>
+          <p:cNvPr id="4" name="Slide Number Placeholder 3"/>
+          <p:cNvSpPr>
+            <a:spLocks noGrp="1"/>
+          </p:cNvSpPr>
+          <p:nvPr>
+            <p:ph type="sldNum" sz="quarter" idx="5"/>
+          </p:nvPr>
+        </p:nvSpPr>
+        <p:spPr/>
+        <p:txBody>
+          <a:bodyPr/>
+          <a:lstStyle/>
+          <a:p>
+            <a:fld id="{F1D59B1D-B0BC-4C10-A0E9-E068C37A006F}" type="slidenum">
+              <a:rPr lang="en-US" smtClean="0"/>
+              <a:t>17</a:t>
+            </a:fld>
+            <a:endParaRPr lang="en-US"/>
+          </a:p>
+        </p:txBody>
+      </p:sp>
+    </p:spTree>
+    <p:extLst>
+      <p:ext uri="{BB962C8B-B14F-4D97-AF65-F5344CB8AC3E}">
+        <p14:creationId xmlns:p14="http://schemas.microsoft.com/office/powerpoint/2010/main" val="157525308"/>
       </p:ext>
     </p:extLst>
   </p:cSld>
@@ -4352,488 +4654,77 @@
       </p:grpSpPr>
       <p:sp>
         <p:nvSpPr>
-          <p:cNvPr id="2" name="Content Placeholder 2">
+          <p:cNvPr id="2" name="Title 1">
             <a:extLst>
               <a:ext uri="{FF2B5EF4-FFF2-40B4-BE49-F238E27FC236}">
-                <a16:creationId xmlns:a16="http://schemas.microsoft.com/office/drawing/2014/main" id="{10068C32-8F59-D5F4-3644-514FE45C30EA}"/>
+                <a16:creationId xmlns:a16="http://schemas.microsoft.com/office/drawing/2014/main" id="{C5F1274F-4DAD-5A60-689D-910FA4C88A32}"/>
               </a:ext>
             </a:extLst>
           </p:cNvPr>
-          <p:cNvSpPr txBox="1">
-            <a:spLocks/>
-          </p:cNvSpPr>
-          <p:nvPr/>
-        </p:nvSpPr>
-        <p:spPr>
-          <a:xfrm>
-            <a:off x="101600" y="815976"/>
-            <a:ext cx="12090400" cy="5746749"/>
-          </a:xfrm>
-          <a:prstGeom prst="rect">
-            <a:avLst/>
-          </a:prstGeom>
-        </p:spPr>
-        <p:txBody>
-          <a:bodyPr/>
-          <a:lstStyle>
-            <a:lvl1pPr marL="91440" indent="-91440" algn="l" defTabSz="914400" rtl="0" eaLnBrk="1" latinLnBrk="0" hangingPunct="1">
-              <a:lnSpc>
-                <a:spcPct val="90000"/>
-              </a:lnSpc>
-              <a:spcBef>
-                <a:spcPts val="1200"/>
-              </a:spcBef>
-              <a:spcAft>
-                <a:spcPts val="200"/>
-              </a:spcAft>
-              <a:buClr>
-                <a:schemeClr val="accent1"/>
-              </a:buClr>
-              <a:buSzPct val="100000"/>
-              <a:buFont typeface="Calibri" panose="020F0502020204030204" pitchFamily="34" charset="0"/>
-              <a:buChar char=" "/>
-              <a:defRPr sz="2000" kern="1200">
-                <a:solidFill>
-                  <a:schemeClr val="tx1">
-                    <a:lumMod val="75000"/>
-                    <a:lumOff val="25000"/>
-                  </a:schemeClr>
-                </a:solidFill>
-                <a:latin typeface="+mn-lt"/>
-                <a:ea typeface="+mn-ea"/>
-                <a:cs typeface="+mn-cs"/>
-              </a:defRPr>
-            </a:lvl1pPr>
-            <a:lvl2pPr marL="384048" indent="-182880" algn="l" defTabSz="914400" rtl="0" eaLnBrk="1" latinLnBrk="0" hangingPunct="1">
-              <a:lnSpc>
-                <a:spcPct val="90000"/>
-              </a:lnSpc>
-              <a:spcBef>
-                <a:spcPts val="200"/>
-              </a:spcBef>
-              <a:spcAft>
-                <a:spcPts val="400"/>
-              </a:spcAft>
-              <a:buClr>
-                <a:schemeClr val="accent1"/>
-              </a:buClr>
-              <a:buFont typeface="Calibri" pitchFamily="34" charset="0"/>
-              <a:buChar char="◦"/>
-              <a:defRPr sz="1800" kern="1200">
-                <a:solidFill>
-                  <a:schemeClr val="tx1">
-                    <a:lumMod val="75000"/>
-                    <a:lumOff val="25000"/>
-                  </a:schemeClr>
-                </a:solidFill>
-                <a:latin typeface="+mn-lt"/>
-                <a:ea typeface="+mn-ea"/>
-                <a:cs typeface="+mn-cs"/>
-              </a:defRPr>
-            </a:lvl2pPr>
-            <a:lvl3pPr marL="566928" indent="-182880" algn="l" defTabSz="914400" rtl="0" eaLnBrk="1" latinLnBrk="0" hangingPunct="1">
-              <a:lnSpc>
-                <a:spcPct val="90000"/>
-              </a:lnSpc>
-              <a:spcBef>
-                <a:spcPts val="200"/>
-              </a:spcBef>
-              <a:spcAft>
-                <a:spcPts val="400"/>
-              </a:spcAft>
-              <a:buClr>
-                <a:schemeClr val="accent1"/>
-              </a:buClr>
-              <a:buFont typeface="Calibri" pitchFamily="34" charset="0"/>
-              <a:buChar char="◦"/>
-              <a:defRPr sz="1400" kern="1200">
-                <a:solidFill>
-                  <a:schemeClr val="tx1">
-                    <a:lumMod val="75000"/>
-                    <a:lumOff val="25000"/>
-                  </a:schemeClr>
-                </a:solidFill>
-                <a:latin typeface="+mn-lt"/>
-                <a:ea typeface="+mn-ea"/>
-                <a:cs typeface="+mn-cs"/>
-              </a:defRPr>
-            </a:lvl3pPr>
-            <a:lvl4pPr marL="749808" indent="-182880" algn="l" defTabSz="914400" rtl="0" eaLnBrk="1" latinLnBrk="0" hangingPunct="1">
-              <a:lnSpc>
-                <a:spcPct val="90000"/>
-              </a:lnSpc>
-              <a:spcBef>
-                <a:spcPts val="200"/>
-              </a:spcBef>
-              <a:spcAft>
-                <a:spcPts val="400"/>
-              </a:spcAft>
-              <a:buClr>
-                <a:schemeClr val="accent1"/>
-              </a:buClr>
-              <a:buFont typeface="Calibri" pitchFamily="34" charset="0"/>
-              <a:buChar char="◦"/>
-              <a:defRPr sz="1400" kern="1200">
-                <a:solidFill>
-                  <a:schemeClr val="tx1">
-                    <a:lumMod val="75000"/>
-                    <a:lumOff val="25000"/>
-                  </a:schemeClr>
-                </a:solidFill>
-                <a:latin typeface="+mn-lt"/>
-                <a:ea typeface="+mn-ea"/>
-                <a:cs typeface="+mn-cs"/>
-              </a:defRPr>
-            </a:lvl4pPr>
-            <a:lvl5pPr marL="932688" indent="-182880" algn="l" defTabSz="914400" rtl="0" eaLnBrk="1" latinLnBrk="0" hangingPunct="1">
-              <a:lnSpc>
-                <a:spcPct val="90000"/>
-              </a:lnSpc>
-              <a:spcBef>
-                <a:spcPts val="200"/>
-              </a:spcBef>
-              <a:spcAft>
-                <a:spcPts val="400"/>
-              </a:spcAft>
-              <a:buClr>
-                <a:schemeClr val="accent1"/>
-              </a:buClr>
-              <a:buFont typeface="Calibri" pitchFamily="34" charset="0"/>
-              <a:buChar char="◦"/>
-              <a:defRPr sz="1400" kern="1200">
-                <a:solidFill>
-                  <a:schemeClr val="tx1">
-                    <a:lumMod val="75000"/>
-                    <a:lumOff val="25000"/>
-                  </a:schemeClr>
-                </a:solidFill>
-                <a:latin typeface="+mn-lt"/>
-                <a:ea typeface="+mn-ea"/>
-                <a:cs typeface="+mn-cs"/>
-              </a:defRPr>
-            </a:lvl5pPr>
-            <a:lvl6pPr marL="1100000" indent="-228600" algn="l" defTabSz="914400" rtl="0" eaLnBrk="1" latinLnBrk="0" hangingPunct="1">
-              <a:lnSpc>
-                <a:spcPct val="90000"/>
-              </a:lnSpc>
-              <a:spcBef>
-                <a:spcPts val="200"/>
-              </a:spcBef>
-              <a:spcAft>
-                <a:spcPts val="400"/>
-              </a:spcAft>
-              <a:buClr>
-                <a:schemeClr val="accent1"/>
-              </a:buClr>
-              <a:buFont typeface="Calibri" pitchFamily="34" charset="0"/>
-              <a:buChar char="◦"/>
-              <a:defRPr sz="1400" kern="1200">
-                <a:solidFill>
-                  <a:schemeClr val="tx1">
-                    <a:lumMod val="75000"/>
-                    <a:lumOff val="25000"/>
-                  </a:schemeClr>
-                </a:solidFill>
-                <a:latin typeface="+mn-lt"/>
-                <a:ea typeface="+mn-ea"/>
-                <a:cs typeface="+mn-cs"/>
-              </a:defRPr>
-            </a:lvl6pPr>
-            <a:lvl7pPr marL="1300000" indent="-228600" algn="l" defTabSz="914400" rtl="0" eaLnBrk="1" latinLnBrk="0" hangingPunct="1">
-              <a:lnSpc>
-                <a:spcPct val="90000"/>
-              </a:lnSpc>
-              <a:spcBef>
-                <a:spcPts val="200"/>
-              </a:spcBef>
-              <a:spcAft>
-                <a:spcPts val="400"/>
-              </a:spcAft>
-              <a:buClr>
-                <a:schemeClr val="accent1"/>
-              </a:buClr>
-              <a:buFont typeface="Calibri" pitchFamily="34" charset="0"/>
-              <a:buChar char="◦"/>
-              <a:defRPr sz="1400" kern="1200">
-                <a:solidFill>
-                  <a:schemeClr val="tx1">
-                    <a:lumMod val="75000"/>
-                    <a:lumOff val="25000"/>
-                  </a:schemeClr>
-                </a:solidFill>
-                <a:latin typeface="+mn-lt"/>
-                <a:ea typeface="+mn-ea"/>
-                <a:cs typeface="+mn-cs"/>
-              </a:defRPr>
-            </a:lvl7pPr>
-            <a:lvl8pPr marL="1500000" indent="-228600" algn="l" defTabSz="914400" rtl="0" eaLnBrk="1" latinLnBrk="0" hangingPunct="1">
-              <a:lnSpc>
-                <a:spcPct val="90000"/>
-              </a:lnSpc>
-              <a:spcBef>
-                <a:spcPts val="200"/>
-              </a:spcBef>
-              <a:spcAft>
-                <a:spcPts val="400"/>
-              </a:spcAft>
-              <a:buClr>
-                <a:schemeClr val="accent1"/>
-              </a:buClr>
-              <a:buFont typeface="Calibri" pitchFamily="34" charset="0"/>
-              <a:buChar char="◦"/>
-              <a:defRPr sz="1400" kern="1200">
-                <a:solidFill>
-                  <a:schemeClr val="tx1">
-                    <a:lumMod val="75000"/>
-                    <a:lumOff val="25000"/>
-                  </a:schemeClr>
-                </a:solidFill>
-                <a:latin typeface="+mn-lt"/>
-                <a:ea typeface="+mn-ea"/>
-                <a:cs typeface="+mn-cs"/>
-              </a:defRPr>
-            </a:lvl8pPr>
-            <a:lvl9pPr marL="1700000" indent="-228600" algn="l" defTabSz="914400" rtl="0" eaLnBrk="1" latinLnBrk="0" hangingPunct="1">
-              <a:lnSpc>
-                <a:spcPct val="90000"/>
-              </a:lnSpc>
-              <a:spcBef>
-                <a:spcPts val="200"/>
-              </a:spcBef>
-              <a:spcAft>
-                <a:spcPts val="400"/>
-              </a:spcAft>
-              <a:buClr>
-                <a:schemeClr val="accent1"/>
-              </a:buClr>
-              <a:buFont typeface="Calibri" pitchFamily="34" charset="0"/>
-              <a:buChar char="◦"/>
-              <a:defRPr sz="1400" kern="1200">
-                <a:solidFill>
-                  <a:schemeClr val="tx1">
-                    <a:lumMod val="75000"/>
-                    <a:lumOff val="25000"/>
-                  </a:schemeClr>
-                </a:solidFill>
-                <a:latin typeface="+mn-lt"/>
-                <a:ea typeface="+mn-ea"/>
-                <a:cs typeface="+mn-cs"/>
-              </a:defRPr>
-            </a:lvl9pPr>
-          </a:lstStyle>
-          <a:p>
-            <a:pPr>
-              <a:buClrTx/>
-              <a:buFont typeface="Arial" panose="020B0604020202020204" pitchFamily="34" charset="0"/>
-              <a:buChar char="•"/>
-            </a:pPr>
-            <a:r>
-              <a:rPr lang="en-US" dirty="0"/>
-              <a:t> Questions that you found interesting and what motivated you to answer them</a:t>
-            </a:r>
-          </a:p>
-          <a:p>
-            <a:pPr marL="201168" lvl="1" indent="0">
-              <a:buClrTx/>
-              <a:buNone/>
-            </a:pPr>
-            <a:endParaRPr lang="en-US" dirty="0"/>
-          </a:p>
-          <a:p>
-            <a:pPr>
-              <a:buClrTx/>
-              <a:buFont typeface="Arial" panose="020B0604020202020204" pitchFamily="34" charset="0"/>
-              <a:buChar char="•"/>
-            </a:pPr>
-            <a:r>
-              <a:rPr lang="en-US" dirty="0"/>
-              <a:t> Where and how you found the data you used to answer these questions</a:t>
-            </a:r>
-          </a:p>
-          <a:p>
-            <a:pPr marL="544068" lvl="1" indent="-342900">
-              <a:buClrTx/>
-              <a:buFont typeface="+mj-lt"/>
-              <a:buAutoNum type="arabicPeriod"/>
-            </a:pPr>
-            <a:endParaRPr lang="en-US" dirty="0"/>
-          </a:p>
-          <a:p>
-            <a:pPr>
-              <a:buClrTx/>
-              <a:buFont typeface="Arial" panose="020B0604020202020204" pitchFamily="34" charset="0"/>
-              <a:buChar char="•"/>
-            </a:pPr>
-            <a:r>
-              <a:rPr lang="en-US" dirty="0"/>
-              <a:t> The data exploration and cleanup process (accompanied by your Jupyter notebook)</a:t>
-            </a:r>
-          </a:p>
-          <a:p>
-            <a:pPr marL="544068" lvl="1" indent="-342900">
-              <a:buClrTx/>
-              <a:buFont typeface="+mj-lt"/>
-              <a:buAutoNum type="arabicPeriod"/>
-            </a:pPr>
-            <a:endParaRPr lang="en-US" dirty="0"/>
-          </a:p>
-          <a:p>
-            <a:pPr>
-              <a:buClrTx/>
-              <a:buFont typeface="Arial" panose="020B0604020202020204" pitchFamily="34" charset="0"/>
-              <a:buChar char="•"/>
-            </a:pPr>
-            <a:r>
-              <a:rPr lang="en-US" dirty="0"/>
-              <a:t> The analysis process (accompanied by your Jupyter notebook)</a:t>
-            </a:r>
-          </a:p>
-          <a:p>
-            <a:pPr marL="544068" lvl="1" indent="-342900">
-              <a:buClrTx/>
-              <a:buFont typeface="+mj-lt"/>
-              <a:buAutoNum type="arabicPeriod"/>
-            </a:pPr>
-            <a:endParaRPr lang="en-US" dirty="0"/>
-          </a:p>
-          <a:p>
-            <a:pPr>
-              <a:buClrTx/>
-              <a:buFont typeface="Arial" panose="020B0604020202020204" pitchFamily="34" charset="0"/>
-              <a:buChar char="•"/>
-            </a:pPr>
-            <a:r>
-              <a:rPr lang="en-US" dirty="0"/>
-              <a:t> Your conclusions, including a numerical summary and visualizations of the summary</a:t>
-            </a:r>
-          </a:p>
-          <a:p>
-            <a:pPr marL="544068" lvl="1" indent="-342900">
-              <a:buClrTx/>
-              <a:buFont typeface="+mj-lt"/>
-              <a:buAutoNum type="arabicPeriod"/>
-            </a:pPr>
-            <a:endParaRPr lang="en-US" dirty="0"/>
-          </a:p>
-          <a:p>
-            <a:pPr>
-              <a:buClrTx/>
-              <a:buFont typeface="Arial" panose="020B0604020202020204" pitchFamily="34" charset="0"/>
-              <a:buChar char="•"/>
-            </a:pPr>
-            <a:r>
-              <a:rPr lang="en-US" dirty="0"/>
-              <a:t> The implications of your findings: what do your findings mean?</a:t>
-            </a:r>
-          </a:p>
-          <a:p>
-            <a:pPr marL="544068" lvl="1" indent="-342900">
-              <a:buClrTx/>
-              <a:buFont typeface="+mj-lt"/>
-              <a:buAutoNum type="arabicPeriod"/>
-            </a:pPr>
-            <a:endParaRPr lang="en-US" dirty="0"/>
-          </a:p>
-        </p:txBody>
-      </p:sp>
-      <p:sp>
-        <p:nvSpPr>
-          <p:cNvPr id="3" name="Title 1">
+          <p:cNvSpPr>
+            <a:spLocks noGrp="1"/>
+          </p:cNvSpPr>
+          <p:nvPr>
+            <p:ph type="ctrTitle"/>
+          </p:nvPr>
+        </p:nvSpPr>
+        <p:spPr/>
+        <p:txBody>
+          <a:bodyPr>
+            <a:normAutofit/>
+          </a:bodyPr>
+          <a:lstStyle/>
+          <a:p>
+            <a:r>
+              <a:rPr lang="en-US" sz="6600" dirty="0"/>
+              <a:t>State and Local Fiscal Recovery Funds (SLFRF) Spending </a:t>
+            </a:r>
+            <a:br>
+              <a:rPr lang="en-US" sz="6600" dirty="0"/>
+            </a:br>
+            <a:r>
+              <a:rPr lang="en-US" sz="6600" dirty="0"/>
+              <a:t>vs. Vaccination Rates</a:t>
+            </a:r>
+          </a:p>
+        </p:txBody>
+      </p:sp>
+      <p:sp>
+        <p:nvSpPr>
+          <p:cNvPr id="3" name="Subtitle 2">
             <a:extLst>
               <a:ext uri="{FF2B5EF4-FFF2-40B4-BE49-F238E27FC236}">
-                <a16:creationId xmlns:a16="http://schemas.microsoft.com/office/drawing/2014/main" id="{A88B47C8-6D82-3329-21EC-05C92318D31E}"/>
+                <a16:creationId xmlns:a16="http://schemas.microsoft.com/office/drawing/2014/main" id="{16EAF2CC-0863-A164-C9FC-875C83ACAE1D}"/>
               </a:ext>
             </a:extLst>
           </p:cNvPr>
-          <p:cNvSpPr txBox="1">
-            <a:spLocks/>
-          </p:cNvSpPr>
-          <p:nvPr/>
-        </p:nvSpPr>
-        <p:spPr>
-          <a:xfrm>
-            <a:off x="1066800" y="77053"/>
-            <a:ext cx="10058400" cy="702303"/>
-          </a:xfrm>
-          <a:prstGeom prst="rect">
-            <a:avLst/>
-          </a:prstGeom>
-        </p:spPr>
+          <p:cNvSpPr>
+            <a:spLocks noGrp="1"/>
+          </p:cNvSpPr>
+          <p:nvPr>
+            <p:ph type="subTitle" idx="1"/>
+          </p:nvPr>
+        </p:nvSpPr>
+        <p:spPr/>
         <p:txBody>
           <a:bodyPr>
-            <a:normAutofit fontScale="97500" lnSpcReduction="10000"/>
+            <a:normAutofit fontScale="92500" lnSpcReduction="10000"/>
           </a:bodyPr>
-          <a:lstStyle>
-            <a:lvl1pPr algn="l" defTabSz="914400" rtl="0" eaLnBrk="1" latinLnBrk="0" hangingPunct="1">
-              <a:lnSpc>
-                <a:spcPct val="85000"/>
-              </a:lnSpc>
-              <a:spcBef>
-                <a:spcPct val="0"/>
-              </a:spcBef>
-              <a:buNone/>
-              <a:defRPr sz="4800" kern="1200" spc="-50" baseline="0">
+          <a:lstStyle/>
+          <a:p>
+            <a:r>
+              <a:rPr lang="en-US" dirty="0"/>
+              <a:t>Group 7:</a:t>
+            </a:r>
+          </a:p>
+          <a:p>
+            <a:r>
+              <a:rPr lang="en-US" dirty="0">
                 <a:solidFill>
-                  <a:schemeClr val="tx1">
-                    <a:lumMod val="75000"/>
-                    <a:lumOff val="25000"/>
-                  </a:schemeClr>
-                </a:solidFill>
-                <a:latin typeface="+mj-lt"/>
-                <a:ea typeface="+mj-ea"/>
-                <a:cs typeface="+mj-cs"/>
-              </a:defRPr>
-            </a:lvl1pPr>
-          </a:lstStyle>
-          <a:p>
-            <a:r>
-              <a:rPr lang="en-US" b="1" dirty="0">
-                <a:solidFill>
-                  <a:srgbClr val="FF0000"/>
+                  <a:schemeClr val="tx1"/>
                 </a:solidFill>
               </a:rPr>
-              <a:t>Presentation Requirements</a:t>
-            </a:r>
-          </a:p>
-        </p:txBody>
-      </p:sp>
-      <p:sp>
-        <p:nvSpPr>
-          <p:cNvPr id="4" name="TextBox 3">
-            <a:extLst>
-              <a:ext uri="{FF2B5EF4-FFF2-40B4-BE49-F238E27FC236}">
-                <a16:creationId xmlns:a16="http://schemas.microsoft.com/office/drawing/2014/main" id="{C592C724-3EDF-3185-0B0F-D828EAA4EDBB}"/>
-              </a:ext>
-            </a:extLst>
-          </p:cNvPr>
-          <p:cNvSpPr txBox="1"/>
-          <p:nvPr/>
-        </p:nvSpPr>
-        <p:spPr>
-          <a:xfrm rot="259250">
-            <a:off x="1687534" y="5289923"/>
-            <a:ext cx="8918531" cy="461665"/>
-          </a:xfrm>
-          <a:prstGeom prst="rect">
-            <a:avLst/>
-          </a:prstGeom>
-          <a:solidFill>
-            <a:srgbClr val="FF0000"/>
-          </a:solidFill>
-        </p:spPr>
-        <p:txBody>
-          <a:bodyPr wrap="square" rtlCol="0">
-            <a:spAutoFit/>
-          </a:bodyPr>
-          <a:lstStyle/>
-          <a:p>
-            <a:r>
-              <a:rPr lang="en-US" sz="2400" b="1" dirty="0">
-                <a:solidFill>
-                  <a:srgbClr val="FFFF00"/>
-                </a:solidFill>
-              </a:rPr>
-              <a:t>DELETE THIS AFTER PRESENATION SLIDES ARE FINALIZED</a:t>
+              <a:t>Kendal Bergman, Joanna DeLaune, Aaliyah Lockett, Greg Michalak, Evan Sprecher</a:t>
             </a:r>
           </a:p>
         </p:txBody>
@@ -4841,7 +4732,7 @@
     </p:spTree>
     <p:extLst>
       <p:ext uri="{BB962C8B-B14F-4D97-AF65-F5344CB8AC3E}">
-        <p14:creationId xmlns:p14="http://schemas.microsoft.com/office/powerpoint/2010/main" val="2614040401"/>
+        <p14:creationId xmlns:p14="http://schemas.microsoft.com/office/powerpoint/2010/main" val="4092171855"/>
       </p:ext>
     </p:extLst>
   </p:cSld>
@@ -4852,382 +4743,6 @@
 </file>
 
 <file path=ppt/slides/slide10.xml><?xml version="1.0" encoding="utf-8"?>
-<p:sld xmlns:a="http://schemas.openxmlformats.org/drawingml/2006/main" xmlns:r="http://schemas.openxmlformats.org/officeDocument/2006/relationships" xmlns:p="http://schemas.openxmlformats.org/presentationml/2006/main">
-  <p:cSld>
-    <p:spTree>
-      <p:nvGrpSpPr>
-        <p:cNvPr id="1" name=""/>
-        <p:cNvGrpSpPr/>
-        <p:nvPr/>
-      </p:nvGrpSpPr>
-      <p:grpSpPr>
-        <a:xfrm>
-          <a:off x="0" y="0"/>
-          <a:ext cx="0" cy="0"/>
-          <a:chOff x="0" y="0"/>
-          <a:chExt cx="0" cy="0"/>
-        </a:xfrm>
-      </p:grpSpPr>
-      <p:sp>
-        <p:nvSpPr>
-          <p:cNvPr id="2" name="Title 1">
-            <a:extLst>
-              <a:ext uri="{FF2B5EF4-FFF2-40B4-BE49-F238E27FC236}">
-                <a16:creationId xmlns:a16="http://schemas.microsoft.com/office/drawing/2014/main" id="{CE09C882-CA28-96A8-EB82-C99D7FAA8D87}"/>
-              </a:ext>
-            </a:extLst>
-          </p:cNvPr>
-          <p:cNvSpPr>
-            <a:spLocks noGrp="1"/>
-          </p:cNvSpPr>
-          <p:nvPr>
-            <p:ph type="title"/>
-          </p:nvPr>
-        </p:nvSpPr>
-        <p:spPr/>
-        <p:txBody>
-          <a:bodyPr>
-            <a:normAutofit/>
-          </a:bodyPr>
-          <a:lstStyle/>
-          <a:p>
-            <a:r>
-              <a:rPr lang="en-US" sz="4000" dirty="0"/>
-              <a:t>Vaccination Status by State – Age Groups</a:t>
-            </a:r>
-          </a:p>
-        </p:txBody>
-      </p:sp>
-      <p:sp>
-        <p:nvSpPr>
-          <p:cNvPr id="9" name="Text Placeholder 8">
-            <a:extLst>
-              <a:ext uri="{FF2B5EF4-FFF2-40B4-BE49-F238E27FC236}">
-                <a16:creationId xmlns:a16="http://schemas.microsoft.com/office/drawing/2014/main" id="{6AE53777-E1D7-79E8-D64E-3A241394DBD0}"/>
-              </a:ext>
-            </a:extLst>
-          </p:cNvPr>
-          <p:cNvSpPr>
-            <a:spLocks noGrp="1"/>
-          </p:cNvSpPr>
-          <p:nvPr>
-            <p:ph type="body" idx="1"/>
-          </p:nvPr>
-        </p:nvSpPr>
-        <p:spPr/>
-        <p:txBody>
-          <a:bodyPr/>
-          <a:lstStyle/>
-          <a:p>
-            <a:pPr algn="ctr"/>
-            <a:r>
-              <a:rPr lang="en-US" dirty="0"/>
-              <a:t>Ages 5 and up</a:t>
-            </a:r>
-          </a:p>
-        </p:txBody>
-      </p:sp>
-      <p:sp>
-        <p:nvSpPr>
-          <p:cNvPr id="10" name="Text Placeholder 9">
-            <a:extLst>
-              <a:ext uri="{FF2B5EF4-FFF2-40B4-BE49-F238E27FC236}">
-                <a16:creationId xmlns:a16="http://schemas.microsoft.com/office/drawing/2014/main" id="{C76B2DA6-CA3A-E260-1635-0987629F6AE7}"/>
-              </a:ext>
-            </a:extLst>
-          </p:cNvPr>
-          <p:cNvSpPr>
-            <a:spLocks noGrp="1"/>
-          </p:cNvSpPr>
-          <p:nvPr>
-            <p:ph type="body" sz="quarter" idx="3"/>
-          </p:nvPr>
-        </p:nvSpPr>
-        <p:spPr/>
-        <p:txBody>
-          <a:bodyPr/>
-          <a:lstStyle/>
-          <a:p>
-            <a:pPr algn="ctr"/>
-            <a:r>
-              <a:rPr lang="en-US" dirty="0"/>
-              <a:t>Ages 12 and up</a:t>
-            </a:r>
-          </a:p>
-        </p:txBody>
-      </p:sp>
-      <p:pic>
-        <p:nvPicPr>
-          <p:cNvPr id="14" name="Content Placeholder 13">
-            <a:extLst>
-              <a:ext uri="{FF2B5EF4-FFF2-40B4-BE49-F238E27FC236}">
-                <a16:creationId xmlns:a16="http://schemas.microsoft.com/office/drawing/2014/main" id="{42544D50-2F6B-8CE0-4FAC-8775E57FD5E0}"/>
-              </a:ext>
-            </a:extLst>
-          </p:cNvPr>
-          <p:cNvPicPr>
-            <a:picLocks noGrp="1" noChangeAspect="1"/>
-          </p:cNvPicPr>
-          <p:nvPr>
-            <p:ph sz="half" idx="2"/>
-          </p:nvPr>
-        </p:nvPicPr>
-        <p:blipFill>
-          <a:blip r:embed="rId2">
-            <a:extLst>
-              <a:ext uri="{28A0092B-C50C-407E-A947-70E740481C1C}">
-                <a14:useLocalDpi xmlns:a14="http://schemas.microsoft.com/office/drawing/2010/main" val="0"/>
-              </a:ext>
-            </a:extLst>
-          </a:blip>
-          <a:stretch>
-            <a:fillRect/>
-          </a:stretch>
-        </p:blipFill>
-        <p:spPr>
-          <a:xfrm>
-            <a:off x="1096963" y="2959648"/>
-            <a:ext cx="4938712" cy="2624629"/>
-          </a:xfrm>
-        </p:spPr>
-      </p:pic>
-      <p:pic>
-        <p:nvPicPr>
-          <p:cNvPr id="18" name="Content Placeholder 17">
-            <a:extLst>
-              <a:ext uri="{FF2B5EF4-FFF2-40B4-BE49-F238E27FC236}">
-                <a16:creationId xmlns:a16="http://schemas.microsoft.com/office/drawing/2014/main" id="{0B7A7C1A-48DD-0613-7D92-E582E9A906AF}"/>
-              </a:ext>
-            </a:extLst>
-          </p:cNvPr>
-          <p:cNvPicPr>
-            <a:picLocks noGrp="1" noChangeAspect="1"/>
-          </p:cNvPicPr>
-          <p:nvPr>
-            <p:ph sz="quarter" idx="4"/>
-          </p:nvPr>
-        </p:nvPicPr>
-        <p:blipFill>
-          <a:blip r:embed="rId3">
-            <a:extLst>
-              <a:ext uri="{28A0092B-C50C-407E-A947-70E740481C1C}">
-                <a14:useLocalDpi xmlns:a14="http://schemas.microsoft.com/office/drawing/2010/main" val="0"/>
-              </a:ext>
-            </a:extLst>
-          </a:blip>
-          <a:stretch>
-            <a:fillRect/>
-          </a:stretch>
-        </p:blipFill>
-        <p:spPr>
-          <a:xfrm>
-            <a:off x="6218238" y="2960070"/>
-            <a:ext cx="4937125" cy="2623786"/>
-          </a:xfrm>
-        </p:spPr>
-      </p:pic>
-    </p:spTree>
-    <p:extLst>
-      <p:ext uri="{BB962C8B-B14F-4D97-AF65-F5344CB8AC3E}">
-        <p14:creationId xmlns:p14="http://schemas.microsoft.com/office/powerpoint/2010/main" val="1878185549"/>
-      </p:ext>
-    </p:extLst>
-  </p:cSld>
-  <p:clrMapOvr>
-    <a:masterClrMapping/>
-  </p:clrMapOvr>
-</p:sld>
-</file>
-
-<file path=ppt/slides/slide11.xml><?xml version="1.0" encoding="utf-8"?>
-<p:sld xmlns:a="http://schemas.openxmlformats.org/drawingml/2006/main" xmlns:r="http://schemas.openxmlformats.org/officeDocument/2006/relationships" xmlns:p="http://schemas.openxmlformats.org/presentationml/2006/main">
-  <p:cSld>
-    <p:spTree>
-      <p:nvGrpSpPr>
-        <p:cNvPr id="1" name=""/>
-        <p:cNvGrpSpPr/>
-        <p:nvPr/>
-      </p:nvGrpSpPr>
-      <p:grpSpPr>
-        <a:xfrm>
-          <a:off x="0" y="0"/>
-          <a:ext cx="0" cy="0"/>
-          <a:chOff x="0" y="0"/>
-          <a:chExt cx="0" cy="0"/>
-        </a:xfrm>
-      </p:grpSpPr>
-      <p:sp>
-        <p:nvSpPr>
-          <p:cNvPr id="2" name="Title 1">
-            <a:extLst>
-              <a:ext uri="{FF2B5EF4-FFF2-40B4-BE49-F238E27FC236}">
-                <a16:creationId xmlns:a16="http://schemas.microsoft.com/office/drawing/2014/main" id="{9D66785B-0268-B2F3-AA8E-14791707A659}"/>
-              </a:ext>
-            </a:extLst>
-          </p:cNvPr>
-          <p:cNvSpPr>
-            <a:spLocks noGrp="1"/>
-          </p:cNvSpPr>
-          <p:nvPr>
-            <p:ph type="title"/>
-          </p:nvPr>
-        </p:nvSpPr>
-        <p:spPr/>
-        <p:txBody>
-          <a:bodyPr>
-            <a:normAutofit/>
-          </a:bodyPr>
-          <a:lstStyle/>
-          <a:p>
-            <a:r>
-              <a:rPr lang="en-US" sz="3600" dirty="0"/>
-              <a:t>Vaccination Status by State – Age Groups Continued</a:t>
-            </a:r>
-          </a:p>
-        </p:txBody>
-      </p:sp>
-      <p:sp>
-        <p:nvSpPr>
-          <p:cNvPr id="3" name="Text Placeholder 2">
-            <a:extLst>
-              <a:ext uri="{FF2B5EF4-FFF2-40B4-BE49-F238E27FC236}">
-                <a16:creationId xmlns:a16="http://schemas.microsoft.com/office/drawing/2014/main" id="{4AACC4D0-13AE-DE79-30ED-6F0F9459AD57}"/>
-              </a:ext>
-            </a:extLst>
-          </p:cNvPr>
-          <p:cNvSpPr>
-            <a:spLocks noGrp="1"/>
-          </p:cNvSpPr>
-          <p:nvPr>
-            <p:ph type="body" idx="1"/>
-          </p:nvPr>
-        </p:nvSpPr>
-        <p:spPr/>
-        <p:txBody>
-          <a:bodyPr/>
-          <a:lstStyle/>
-          <a:p>
-            <a:pPr algn="ctr"/>
-            <a:r>
-              <a:rPr lang="en-US" dirty="0"/>
-              <a:t>Ages 18 and up</a:t>
-            </a:r>
-          </a:p>
-        </p:txBody>
-      </p:sp>
-      <p:sp>
-        <p:nvSpPr>
-          <p:cNvPr id="5" name="Text Placeholder 4">
-            <a:extLst>
-              <a:ext uri="{FF2B5EF4-FFF2-40B4-BE49-F238E27FC236}">
-                <a16:creationId xmlns:a16="http://schemas.microsoft.com/office/drawing/2014/main" id="{891E569B-933D-38A6-F637-3BAB804D1379}"/>
-              </a:ext>
-            </a:extLst>
-          </p:cNvPr>
-          <p:cNvSpPr>
-            <a:spLocks noGrp="1"/>
-          </p:cNvSpPr>
-          <p:nvPr>
-            <p:ph type="body" sz="quarter" idx="3"/>
-          </p:nvPr>
-        </p:nvSpPr>
-        <p:spPr/>
-        <p:txBody>
-          <a:bodyPr/>
-          <a:lstStyle/>
-          <a:p>
-            <a:pPr algn="ctr"/>
-            <a:r>
-              <a:rPr lang="en-US" dirty="0"/>
-              <a:t>Ages 65 and up</a:t>
-            </a:r>
-          </a:p>
-        </p:txBody>
-      </p:sp>
-      <p:pic>
-        <p:nvPicPr>
-          <p:cNvPr id="14" name="Content Placeholder 13">
-            <a:extLst>
-              <a:ext uri="{FF2B5EF4-FFF2-40B4-BE49-F238E27FC236}">
-                <a16:creationId xmlns:a16="http://schemas.microsoft.com/office/drawing/2014/main" id="{70A0F97D-B3E8-E3BE-9512-E18D7E2B6F71}"/>
-              </a:ext>
-            </a:extLst>
-          </p:cNvPr>
-          <p:cNvPicPr>
-            <a:picLocks noGrp="1" noChangeAspect="1"/>
-          </p:cNvPicPr>
-          <p:nvPr>
-            <p:ph sz="half" idx="2"/>
-          </p:nvPr>
-        </p:nvPicPr>
-        <p:blipFill>
-          <a:blip r:embed="rId3">
-            <a:extLst>
-              <a:ext uri="{28A0092B-C50C-407E-A947-70E740481C1C}">
-                <a14:useLocalDpi xmlns:a14="http://schemas.microsoft.com/office/drawing/2010/main" val="0"/>
-              </a:ext>
-            </a:extLst>
-          </a:blip>
-          <a:stretch>
-            <a:fillRect/>
-          </a:stretch>
-        </p:blipFill>
-        <p:spPr>
-          <a:xfrm>
-            <a:off x="1096963" y="2959648"/>
-            <a:ext cx="4938712" cy="2624629"/>
-          </a:xfrm>
-        </p:spPr>
-      </p:pic>
-      <p:pic>
-        <p:nvPicPr>
-          <p:cNvPr id="18" name="Content Placeholder 17">
-            <a:extLst>
-              <a:ext uri="{FF2B5EF4-FFF2-40B4-BE49-F238E27FC236}">
-                <a16:creationId xmlns:a16="http://schemas.microsoft.com/office/drawing/2014/main" id="{73BC84EE-71B8-4A2B-17B0-1E2404A887BD}"/>
-              </a:ext>
-            </a:extLst>
-          </p:cNvPr>
-          <p:cNvPicPr>
-            <a:picLocks noGrp="1" noChangeAspect="1"/>
-          </p:cNvPicPr>
-          <p:nvPr>
-            <p:ph sz="quarter" idx="4"/>
-          </p:nvPr>
-        </p:nvPicPr>
-        <p:blipFill>
-          <a:blip r:embed="rId4">
-            <a:extLst>
-              <a:ext uri="{28A0092B-C50C-407E-A947-70E740481C1C}">
-                <a14:useLocalDpi xmlns:a14="http://schemas.microsoft.com/office/drawing/2010/main" val="0"/>
-              </a:ext>
-            </a:extLst>
-          </a:blip>
-          <a:stretch>
-            <a:fillRect/>
-          </a:stretch>
-        </p:blipFill>
-        <p:spPr>
-          <a:xfrm>
-            <a:off x="6218238" y="2960070"/>
-            <a:ext cx="4937125" cy="2623786"/>
-          </a:xfrm>
-        </p:spPr>
-      </p:pic>
-    </p:spTree>
-    <p:extLst>
-      <p:ext uri="{BB962C8B-B14F-4D97-AF65-F5344CB8AC3E}">
-        <p14:creationId xmlns:p14="http://schemas.microsoft.com/office/powerpoint/2010/main" val="2662703547"/>
-      </p:ext>
-    </p:extLst>
-  </p:cSld>
-  <p:clrMapOvr>
-    <a:masterClrMapping/>
-  </p:clrMapOvr>
-</p:sld>
-</file>
-
-<file path=ppt/slides/slide12.xml><?xml version="1.0" encoding="utf-8"?>
 <p:sld xmlns:a="http://schemas.openxmlformats.org/drawingml/2006/main" xmlns:r="http://schemas.openxmlformats.org/officeDocument/2006/relationships" xmlns:p="http://schemas.openxmlformats.org/presentationml/2006/main">
   <p:cSld>
     <p:spTree>
@@ -5319,7 +4834,7 @@
 </p:sld>
 </file>
 
-<file path=ppt/slides/slide13.xml><?xml version="1.0" encoding="utf-8"?>
+<file path=ppt/slides/slide11.xml><?xml version="1.0" encoding="utf-8"?>
 <p:sld xmlns:a="http://schemas.openxmlformats.org/drawingml/2006/main" xmlns:r="http://schemas.openxmlformats.org/officeDocument/2006/relationships" xmlns:p="http://schemas.openxmlformats.org/presentationml/2006/main">
   <p:cSld>
     <p:spTree>
@@ -5351,7 +4866,7 @@
           <p:nvPr/>
         </p:nvPicPr>
         <p:blipFill>
-          <a:blip r:embed="rId2">
+          <a:blip r:embed="rId3">
             <a:extLst>
               <a:ext uri="{28A0092B-C50C-407E-A947-70E740481C1C}">
                 <a14:useLocalDpi xmlns:a14="http://schemas.microsoft.com/office/drawing/2010/main" val="0"/>
@@ -5385,6 +4900,634 @@
 </p:sld>
 </file>
 
+<file path=ppt/slides/slide12.xml><?xml version="1.0" encoding="utf-8"?>
+<p:sld xmlns:a="http://schemas.openxmlformats.org/drawingml/2006/main" xmlns:r="http://schemas.openxmlformats.org/officeDocument/2006/relationships" xmlns:p="http://schemas.openxmlformats.org/presentationml/2006/main">
+  <p:cSld>
+    <p:spTree>
+      <p:nvGrpSpPr>
+        <p:cNvPr id="1" name=""/>
+        <p:cNvGrpSpPr/>
+        <p:nvPr/>
+      </p:nvGrpSpPr>
+      <p:grpSpPr>
+        <a:xfrm>
+          <a:off x="0" y="0"/>
+          <a:ext cx="0" cy="0"/>
+          <a:chOff x="0" y="0"/>
+          <a:chExt cx="0" cy="0"/>
+        </a:xfrm>
+      </p:grpSpPr>
+      <p:pic>
+        <p:nvPicPr>
+          <p:cNvPr id="6" name="Picture 5">
+            <a:extLst>
+              <a:ext uri="{FF2B5EF4-FFF2-40B4-BE49-F238E27FC236}">
+                <a16:creationId xmlns:a16="http://schemas.microsoft.com/office/drawing/2014/main" id="{DCA7BCD9-4248-5DC8-B428-913D4A3981AA}"/>
+              </a:ext>
+            </a:extLst>
+          </p:cNvPr>
+          <p:cNvPicPr>
+            <a:picLocks noChangeAspect="1"/>
+          </p:cNvPicPr>
+          <p:nvPr/>
+        </p:nvPicPr>
+        <p:blipFill>
+          <a:blip r:embed="rId2"/>
+          <a:stretch>
+            <a:fillRect/>
+          </a:stretch>
+        </p:blipFill>
+        <p:spPr>
+          <a:xfrm>
+            <a:off x="0" y="180989"/>
+            <a:ext cx="10405938" cy="1555447"/>
+          </a:xfrm>
+          <a:prstGeom prst="rect">
+            <a:avLst/>
+          </a:prstGeom>
+        </p:spPr>
+      </p:pic>
+      <p:sp>
+        <p:nvSpPr>
+          <p:cNvPr id="3" name="Title 1">
+            <a:extLst>
+              <a:ext uri="{FF2B5EF4-FFF2-40B4-BE49-F238E27FC236}">
+                <a16:creationId xmlns:a16="http://schemas.microsoft.com/office/drawing/2014/main" id="{7BDCAE3D-4443-CCA7-3CA9-BE1DFA8640F8}"/>
+              </a:ext>
+            </a:extLst>
+          </p:cNvPr>
+          <p:cNvSpPr txBox="1">
+            <a:spLocks/>
+          </p:cNvSpPr>
+          <p:nvPr/>
+        </p:nvSpPr>
+        <p:spPr>
+          <a:xfrm>
+            <a:off x="5144679" y="1256145"/>
+            <a:ext cx="6405063" cy="829558"/>
+          </a:xfrm>
+          <a:prstGeom prst="rect">
+            <a:avLst/>
+          </a:prstGeom>
+        </p:spPr>
+        <p:txBody>
+          <a:bodyPr vert="horz" lIns="91440" tIns="45720" rIns="91440" bIns="45720" rtlCol="0" anchor="b">
+            <a:normAutofit/>
+          </a:bodyPr>
+          <a:lstStyle>
+            <a:lvl1pPr algn="l" defTabSz="914400" rtl="0" eaLnBrk="1" latinLnBrk="0" hangingPunct="1">
+              <a:lnSpc>
+                <a:spcPct val="85000"/>
+              </a:lnSpc>
+              <a:spcBef>
+                <a:spcPct val="0"/>
+              </a:spcBef>
+              <a:buNone/>
+              <a:defRPr sz="4800" kern="1200" spc="-50" baseline="0">
+                <a:solidFill>
+                  <a:schemeClr val="tx1">
+                    <a:lumMod val="75000"/>
+                    <a:lumOff val="25000"/>
+                  </a:schemeClr>
+                </a:solidFill>
+                <a:latin typeface="+mj-lt"/>
+                <a:ea typeface="+mj-ea"/>
+                <a:cs typeface="+mj-cs"/>
+              </a:defRPr>
+            </a:lvl1pPr>
+          </a:lstStyle>
+          <a:p>
+            <a:pPr>
+              <a:spcAft>
+                <a:spcPts val="600"/>
+              </a:spcAft>
+            </a:pPr>
+            <a:r>
+              <a:rPr lang="en-US" dirty="0"/>
+              <a:t>Regression analysis</a:t>
+            </a:r>
+          </a:p>
+        </p:txBody>
+      </p:sp>
+      <p:pic>
+        <p:nvPicPr>
+          <p:cNvPr id="5" name="Picture 4">
+            <a:extLst>
+              <a:ext uri="{FF2B5EF4-FFF2-40B4-BE49-F238E27FC236}">
+                <a16:creationId xmlns:a16="http://schemas.microsoft.com/office/drawing/2014/main" id="{445C3D45-7C3F-4155-6DED-EC0B2EADC9AF}"/>
+              </a:ext>
+            </a:extLst>
+          </p:cNvPr>
+          <p:cNvPicPr>
+            <a:picLocks noChangeAspect="1"/>
+          </p:cNvPicPr>
+          <p:nvPr/>
+        </p:nvPicPr>
+        <p:blipFill>
+          <a:blip r:embed="rId3"/>
+          <a:stretch>
+            <a:fillRect/>
+          </a:stretch>
+        </p:blipFill>
+        <p:spPr>
+          <a:xfrm>
+            <a:off x="0" y="2516073"/>
+            <a:ext cx="5033141" cy="3035862"/>
+          </a:xfrm>
+          <a:prstGeom prst="rect">
+            <a:avLst/>
+          </a:prstGeom>
+        </p:spPr>
+      </p:pic>
+      <p:sp>
+        <p:nvSpPr>
+          <p:cNvPr id="2" name="TextBox 1">
+            <a:extLst>
+              <a:ext uri="{FF2B5EF4-FFF2-40B4-BE49-F238E27FC236}">
+                <a16:creationId xmlns:a16="http://schemas.microsoft.com/office/drawing/2014/main" id="{E3DCFDCF-7E8F-94A9-88D5-8EF1F657162B}"/>
+              </a:ext>
+            </a:extLst>
+          </p:cNvPr>
+          <p:cNvSpPr txBox="1"/>
+          <p:nvPr/>
+        </p:nvSpPr>
+        <p:spPr>
+          <a:xfrm>
+            <a:off x="5144679" y="2198914"/>
+            <a:ext cx="6405063" cy="3670180"/>
+          </a:xfrm>
+          <a:prstGeom prst="rect">
+            <a:avLst/>
+          </a:prstGeom>
+        </p:spPr>
+        <p:txBody>
+          <a:bodyPr vert="horz" lIns="0" tIns="45720" rIns="0" bIns="45720" rtlCol="0">
+            <a:normAutofit/>
+          </a:bodyPr>
+          <a:lstStyle/>
+          <a:p>
+            <a:pPr marL="91440" indent="-91440" defTabSz="914400">
+              <a:lnSpc>
+                <a:spcPct val="90000"/>
+              </a:lnSpc>
+              <a:spcBef>
+                <a:spcPts val="1200"/>
+              </a:spcBef>
+              <a:spcAft>
+                <a:spcPts val="200"/>
+              </a:spcAft>
+              <a:buClr>
+                <a:schemeClr val="accent1"/>
+              </a:buClr>
+              <a:buSzPct val="100000"/>
+              <a:buFont typeface="Calibri" panose="020F0502020204030204" pitchFamily="34" charset="0"/>
+              <a:buChar char="§"/>
+            </a:pPr>
+            <a:r>
+              <a:rPr lang="en-US" dirty="0">
+                <a:solidFill>
+                  <a:schemeClr val="tx1">
+                    <a:lumMod val="75000"/>
+                    <a:lumOff val="25000"/>
+                  </a:schemeClr>
+                </a:solidFill>
+              </a:rPr>
+              <a:t> Method was used to find relationship between EARN and vaccination data</a:t>
+            </a:r>
+          </a:p>
+          <a:p>
+            <a:pPr marL="91440" indent="-91440" defTabSz="914400">
+              <a:lnSpc>
+                <a:spcPct val="90000"/>
+              </a:lnSpc>
+              <a:spcBef>
+                <a:spcPts val="1200"/>
+              </a:spcBef>
+              <a:spcAft>
+                <a:spcPts val="200"/>
+              </a:spcAft>
+              <a:buClr>
+                <a:schemeClr val="accent1"/>
+              </a:buClr>
+              <a:buSzPct val="100000"/>
+              <a:buFont typeface="Calibri" panose="020F0502020204030204" pitchFamily="34" charset="0"/>
+              <a:buChar char="§"/>
+            </a:pPr>
+            <a:r>
+              <a:rPr lang="en-US" dirty="0">
+                <a:solidFill>
+                  <a:schemeClr val="tx1">
+                    <a:lumMod val="75000"/>
+                    <a:lumOff val="25000"/>
+                  </a:schemeClr>
+                </a:solidFill>
+              </a:rPr>
+              <a:t> EARN and vaccine data were merged by state</a:t>
+            </a:r>
+          </a:p>
+          <a:p>
+            <a:pPr marL="91440" indent="-91440" defTabSz="914400">
+              <a:lnSpc>
+                <a:spcPct val="90000"/>
+              </a:lnSpc>
+              <a:spcBef>
+                <a:spcPts val="1200"/>
+              </a:spcBef>
+              <a:spcAft>
+                <a:spcPts val="200"/>
+              </a:spcAft>
+              <a:buClr>
+                <a:schemeClr val="accent1"/>
+              </a:buClr>
+              <a:buSzPct val="100000"/>
+              <a:buFont typeface="Calibri" panose="020F0502020204030204" pitchFamily="34" charset="0"/>
+              <a:buChar char="§"/>
+            </a:pPr>
+            <a:r>
+              <a:rPr lang="en-US" dirty="0">
+                <a:solidFill>
+                  <a:schemeClr val="tx1">
+                    <a:lumMod val="75000"/>
+                    <a:lumOff val="25000"/>
+                  </a:schemeClr>
+                </a:solidFill>
+              </a:rPr>
+              <a:t> </a:t>
+            </a:r>
+            <a:r>
+              <a:rPr lang="en-US" dirty="0" err="1">
+                <a:solidFill>
+                  <a:schemeClr val="tx1">
+                    <a:lumMod val="75000"/>
+                    <a:lumOff val="25000"/>
+                  </a:schemeClr>
+                </a:solidFill>
+              </a:rPr>
+              <a:t>Sklearn</a:t>
+            </a:r>
+            <a:r>
+              <a:rPr lang="en-US" dirty="0">
+                <a:solidFill>
+                  <a:schemeClr val="tx1">
+                    <a:lumMod val="75000"/>
+                    <a:lumOff val="25000"/>
+                  </a:schemeClr>
+                </a:solidFill>
+              </a:rPr>
+              <a:t> linear regression library and Seaborn </a:t>
+            </a:r>
+            <a:r>
+              <a:rPr lang="en-US" dirty="0" err="1">
+                <a:solidFill>
+                  <a:schemeClr val="tx1">
+                    <a:lumMod val="75000"/>
+                    <a:lumOff val="25000"/>
+                  </a:schemeClr>
+                </a:solidFill>
+              </a:rPr>
+              <a:t>lmplot</a:t>
+            </a:r>
+            <a:r>
+              <a:rPr lang="en-US" dirty="0">
+                <a:solidFill>
+                  <a:schemeClr val="tx1">
+                    <a:lumMod val="75000"/>
+                    <a:lumOff val="25000"/>
+                  </a:schemeClr>
+                </a:solidFill>
+              </a:rPr>
+              <a:t> </a:t>
+            </a:r>
+          </a:p>
+          <a:p>
+            <a:pPr marL="548640" lvl="1" indent="-91440" defTabSz="914400">
+              <a:lnSpc>
+                <a:spcPct val="90000"/>
+              </a:lnSpc>
+              <a:spcBef>
+                <a:spcPts val="1200"/>
+              </a:spcBef>
+              <a:spcAft>
+                <a:spcPts val="200"/>
+              </a:spcAft>
+              <a:buClr>
+                <a:schemeClr val="accent1"/>
+              </a:buClr>
+              <a:buSzPct val="100000"/>
+              <a:buFont typeface="Calibri" panose="020F0502020204030204" pitchFamily="34" charset="0"/>
+              <a:buChar char="§"/>
+            </a:pPr>
+            <a:r>
+              <a:rPr lang="en-US" dirty="0">
+                <a:solidFill>
+                  <a:schemeClr val="tx1">
+                    <a:lumMod val="75000"/>
+                    <a:lumOff val="25000"/>
+                  </a:schemeClr>
+                </a:solidFill>
+              </a:rPr>
+              <a:t> Output targets were </a:t>
+            </a:r>
+            <a:r>
+              <a:rPr lang="en-US" b="1" dirty="0">
+                <a:solidFill>
+                  <a:schemeClr val="tx1">
+                    <a:lumMod val="75000"/>
+                    <a:lumOff val="25000"/>
+                  </a:schemeClr>
+                </a:solidFill>
+              </a:rPr>
+              <a:t>vaccination rates for 1 dose</a:t>
+            </a:r>
+            <a:r>
+              <a:rPr lang="en-US" dirty="0">
+                <a:solidFill>
+                  <a:schemeClr val="tx1">
+                    <a:lumMod val="75000"/>
+                    <a:lumOff val="25000"/>
+                  </a:schemeClr>
+                </a:solidFill>
+              </a:rPr>
+              <a:t> and </a:t>
+            </a:r>
+            <a:r>
+              <a:rPr lang="en-US" b="1" dirty="0">
+                <a:solidFill>
+                  <a:schemeClr val="tx1">
+                    <a:lumMod val="75000"/>
+                    <a:lumOff val="25000"/>
+                  </a:schemeClr>
+                </a:solidFill>
+              </a:rPr>
+              <a:t>completed vaccination series</a:t>
+            </a:r>
+          </a:p>
+          <a:p>
+            <a:pPr marL="548640" lvl="1" indent="-91440" defTabSz="914400">
+              <a:lnSpc>
+                <a:spcPct val="90000"/>
+              </a:lnSpc>
+              <a:spcBef>
+                <a:spcPts val="1200"/>
+              </a:spcBef>
+              <a:spcAft>
+                <a:spcPts val="200"/>
+              </a:spcAft>
+              <a:buClr>
+                <a:schemeClr val="accent1"/>
+              </a:buClr>
+              <a:buSzPct val="100000"/>
+              <a:buFont typeface="Calibri" panose="020F0502020204030204" pitchFamily="34" charset="0"/>
+              <a:buChar char="§"/>
+            </a:pPr>
+            <a:r>
+              <a:rPr lang="en-US" dirty="0">
+                <a:solidFill>
+                  <a:schemeClr val="tx1">
+                    <a:lumMod val="75000"/>
+                    <a:lumOff val="25000"/>
+                  </a:schemeClr>
+                </a:solidFill>
+              </a:rPr>
+              <a:t> Input features were </a:t>
+            </a:r>
+            <a:r>
+              <a:rPr lang="en-US" b="1" dirty="0">
+                <a:solidFill>
+                  <a:schemeClr val="tx1">
+                    <a:lumMod val="75000"/>
+                    <a:lumOff val="25000"/>
+                  </a:schemeClr>
+                </a:solidFill>
+              </a:rPr>
+              <a:t>spending levels</a:t>
+            </a:r>
+            <a:r>
+              <a:rPr lang="en-US" dirty="0">
+                <a:solidFill>
+                  <a:schemeClr val="tx1">
+                    <a:lumMod val="75000"/>
+                    <a:lumOff val="25000"/>
+                  </a:schemeClr>
+                </a:solidFill>
+              </a:rPr>
+              <a:t> and </a:t>
+            </a:r>
+            <a:r>
+              <a:rPr lang="en-US" b="1" dirty="0">
+                <a:solidFill>
+                  <a:schemeClr val="tx1">
+                    <a:lumMod val="75000"/>
+                    <a:lumOff val="25000"/>
+                  </a:schemeClr>
+                </a:solidFill>
+              </a:rPr>
+              <a:t>number of projects</a:t>
+            </a:r>
+            <a:r>
+              <a:rPr lang="en-US" dirty="0">
+                <a:solidFill>
+                  <a:schemeClr val="tx1">
+                    <a:lumMod val="75000"/>
+                    <a:lumOff val="25000"/>
+                  </a:schemeClr>
+                </a:solidFill>
+              </a:rPr>
+              <a:t> aimed at delivering vaccines</a:t>
+            </a:r>
+          </a:p>
+          <a:p>
+            <a:pPr marL="548640" lvl="1" indent="-91440" defTabSz="914400">
+              <a:lnSpc>
+                <a:spcPct val="90000"/>
+              </a:lnSpc>
+              <a:spcBef>
+                <a:spcPts val="1200"/>
+              </a:spcBef>
+              <a:spcAft>
+                <a:spcPts val="200"/>
+              </a:spcAft>
+              <a:buClr>
+                <a:schemeClr val="accent1"/>
+              </a:buClr>
+              <a:buSzPct val="100000"/>
+              <a:buFont typeface="Calibri" panose="020F0502020204030204" pitchFamily="34" charset="0"/>
+              <a:buChar char="§"/>
+            </a:pPr>
+            <a:r>
+              <a:rPr lang="en-US" dirty="0">
+                <a:solidFill>
+                  <a:schemeClr val="tx1">
+                    <a:lumMod val="75000"/>
+                    <a:lumOff val="25000"/>
+                  </a:schemeClr>
+                </a:solidFill>
+              </a:rPr>
+              <a:t> Function reported the linear model and diagnostics, as well as the visualizations</a:t>
+            </a:r>
+          </a:p>
+        </p:txBody>
+      </p:sp>
+    </p:spTree>
+    <p:extLst>
+      <p:ext uri="{BB962C8B-B14F-4D97-AF65-F5344CB8AC3E}">
+        <p14:creationId xmlns:p14="http://schemas.microsoft.com/office/powerpoint/2010/main" val="2065496453"/>
+      </p:ext>
+    </p:extLst>
+  </p:cSld>
+  <p:clrMapOvr>
+    <a:masterClrMapping/>
+  </p:clrMapOvr>
+</p:sld>
+</file>
+
+<file path=ppt/slides/slide13.xml><?xml version="1.0" encoding="utf-8"?>
+<p:sld xmlns:a="http://schemas.openxmlformats.org/drawingml/2006/main" xmlns:r="http://schemas.openxmlformats.org/officeDocument/2006/relationships" xmlns:p="http://schemas.openxmlformats.org/presentationml/2006/main">
+  <p:cSld>
+    <p:spTree>
+      <p:nvGrpSpPr>
+        <p:cNvPr id="1" name=""/>
+        <p:cNvGrpSpPr/>
+        <p:nvPr/>
+      </p:nvGrpSpPr>
+      <p:grpSpPr>
+        <a:xfrm>
+          <a:off x="0" y="0"/>
+          <a:ext cx="0" cy="0"/>
+          <a:chOff x="0" y="0"/>
+          <a:chExt cx="0" cy="0"/>
+        </a:xfrm>
+      </p:grpSpPr>
+      <p:pic>
+        <p:nvPicPr>
+          <p:cNvPr id="3" name="Picture 2">
+            <a:extLst>
+              <a:ext uri="{FF2B5EF4-FFF2-40B4-BE49-F238E27FC236}">
+                <a16:creationId xmlns:a16="http://schemas.microsoft.com/office/drawing/2014/main" id="{42E9E16D-1FEB-EACC-D930-BCADDB42E98E}"/>
+              </a:ext>
+            </a:extLst>
+          </p:cNvPr>
+          <p:cNvPicPr>
+            <a:picLocks noChangeAspect="1"/>
+          </p:cNvPicPr>
+          <p:nvPr/>
+        </p:nvPicPr>
+        <p:blipFill>
+          <a:blip r:embed="rId2"/>
+          <a:stretch>
+            <a:fillRect/>
+          </a:stretch>
+        </p:blipFill>
+        <p:spPr>
+          <a:xfrm>
+            <a:off x="1112576" y="955270"/>
+            <a:ext cx="4526223" cy="4947459"/>
+          </a:xfrm>
+          <a:prstGeom prst="rect">
+            <a:avLst/>
+          </a:prstGeom>
+        </p:spPr>
+      </p:pic>
+      <p:pic>
+        <p:nvPicPr>
+          <p:cNvPr id="5" name="Picture 4">
+            <a:extLst>
+              <a:ext uri="{FF2B5EF4-FFF2-40B4-BE49-F238E27FC236}">
+                <a16:creationId xmlns:a16="http://schemas.microsoft.com/office/drawing/2014/main" id="{59919C74-8EC2-6838-CD1B-32DBA8EF28C1}"/>
+              </a:ext>
+            </a:extLst>
+          </p:cNvPr>
+          <p:cNvPicPr>
+            <a:picLocks noChangeAspect="1"/>
+          </p:cNvPicPr>
+          <p:nvPr/>
+        </p:nvPicPr>
+        <p:blipFill>
+          <a:blip r:embed="rId3"/>
+          <a:stretch>
+            <a:fillRect/>
+          </a:stretch>
+        </p:blipFill>
+        <p:spPr>
+          <a:xfrm>
+            <a:off x="5859624" y="899285"/>
+            <a:ext cx="5771433" cy="5059427"/>
+          </a:xfrm>
+          <a:prstGeom prst="rect">
+            <a:avLst/>
+          </a:prstGeom>
+        </p:spPr>
+      </p:pic>
+      <p:sp>
+        <p:nvSpPr>
+          <p:cNvPr id="6" name="Title 1">
+            <a:extLst>
+              <a:ext uri="{FF2B5EF4-FFF2-40B4-BE49-F238E27FC236}">
+                <a16:creationId xmlns:a16="http://schemas.microsoft.com/office/drawing/2014/main" id="{828721F6-6FAA-3D1E-747F-FB9F62230AC2}"/>
+              </a:ext>
+            </a:extLst>
+          </p:cNvPr>
+          <p:cNvSpPr txBox="1">
+            <a:spLocks/>
+          </p:cNvSpPr>
+          <p:nvPr/>
+        </p:nvSpPr>
+        <p:spPr>
+          <a:xfrm>
+            <a:off x="348343" y="140861"/>
+            <a:ext cx="10058400" cy="814409"/>
+          </a:xfrm>
+          <a:prstGeom prst="rect">
+            <a:avLst/>
+          </a:prstGeom>
+        </p:spPr>
+        <p:txBody>
+          <a:bodyPr>
+            <a:normAutofit/>
+          </a:bodyPr>
+          <a:lstStyle>
+            <a:lvl1pPr algn="l" defTabSz="914400" rtl="0" eaLnBrk="1" latinLnBrk="0" hangingPunct="1">
+              <a:lnSpc>
+                <a:spcPct val="85000"/>
+              </a:lnSpc>
+              <a:spcBef>
+                <a:spcPct val="0"/>
+              </a:spcBef>
+              <a:buNone/>
+              <a:defRPr sz="4800" kern="1200" spc="-50" baseline="0">
+                <a:solidFill>
+                  <a:schemeClr val="tx1">
+                    <a:lumMod val="75000"/>
+                    <a:lumOff val="25000"/>
+                  </a:schemeClr>
+                </a:solidFill>
+                <a:latin typeface="+mj-lt"/>
+                <a:ea typeface="+mj-ea"/>
+                <a:cs typeface="+mj-cs"/>
+              </a:defRPr>
+            </a:lvl1pPr>
+          </a:lstStyle>
+          <a:p>
+            <a:r>
+              <a:rPr lang="en-US" dirty="0"/>
+              <a:t>Effect on first dose delivered</a:t>
+            </a:r>
+          </a:p>
+        </p:txBody>
+      </p:sp>
+    </p:spTree>
+    <p:extLst>
+      <p:ext uri="{BB962C8B-B14F-4D97-AF65-F5344CB8AC3E}">
+        <p14:creationId xmlns:p14="http://schemas.microsoft.com/office/powerpoint/2010/main" val="2456213870"/>
+      </p:ext>
+    </p:extLst>
+  </p:cSld>
+  <p:clrMapOvr>
+    <a:masterClrMapping/>
+  </p:clrMapOvr>
+</p:sld>
+</file>
+
 <file path=ppt/slides/slide14.xml><?xml version="1.0" encoding="utf-8"?>
 <p:sld xmlns:a="http://schemas.openxmlformats.org/drawingml/2006/main" xmlns:r="http://schemas.openxmlformats.org/officeDocument/2006/relationships" xmlns:p="http://schemas.openxmlformats.org/presentationml/2006/main">
   <p:cSld>
@@ -5404,92 +5547,125 @@
       </p:grpSpPr>
       <p:sp>
         <p:nvSpPr>
-          <p:cNvPr id="2" name="TextBox 1">
+          <p:cNvPr id="2" name="Title 1">
             <a:extLst>
               <a:ext uri="{FF2B5EF4-FFF2-40B4-BE49-F238E27FC236}">
-                <a16:creationId xmlns:a16="http://schemas.microsoft.com/office/drawing/2014/main" id="{E3DCFDCF-7E8F-94A9-88D5-8EF1F657162B}"/>
+                <a16:creationId xmlns:a16="http://schemas.microsoft.com/office/drawing/2014/main" id="{BDCA52CA-C5AE-5935-4154-685291794150}"/>
               </a:ext>
             </a:extLst>
           </p:cNvPr>
-          <p:cNvSpPr txBox="1"/>
+          <p:cNvSpPr txBox="1">
+            <a:spLocks/>
+          </p:cNvSpPr>
           <p:nvPr/>
         </p:nvSpPr>
         <p:spPr>
           <a:xfrm>
-            <a:off x="569433" y="1157324"/>
-            <a:ext cx="11053134" cy="3108543"/>
+            <a:off x="348343" y="140861"/>
+            <a:ext cx="10058400" cy="814409"/>
           </a:xfrm>
           <a:prstGeom prst="rect">
             <a:avLst/>
           </a:prstGeom>
-          <a:noFill/>
         </p:spPr>
         <p:txBody>
-          <a:bodyPr wrap="square" rtlCol="0">
-            <a:spAutoFit/>
+          <a:bodyPr>
+            <a:normAutofit/>
           </a:bodyPr>
-          <a:lstStyle/>
-          <a:p>
-            <a:r>
-              <a:rPr lang="en-US" sz="2800" dirty="0">
+          <a:lstStyle>
+            <a:lvl1pPr algn="l" defTabSz="914400" rtl="0" eaLnBrk="1" latinLnBrk="0" hangingPunct="1">
+              <a:lnSpc>
+                <a:spcPct val="85000"/>
+              </a:lnSpc>
+              <a:spcBef>
+                <a:spcPct val="0"/>
+              </a:spcBef>
+              <a:buNone/>
+              <a:defRPr sz="4800" kern="1200" spc="-50" baseline="0">
                 <a:solidFill>
-                  <a:srgbClr val="FF0000"/>
+                  <a:schemeClr val="tx1">
+                    <a:lumMod val="75000"/>
+                    <a:lumOff val="25000"/>
+                  </a:schemeClr>
                 </a:solidFill>
-              </a:rPr>
-              <a:t>Correlation/Regression plots here. Pick the 2 most “interesting” plots. </a:t>
-            </a:r>
-          </a:p>
-          <a:p>
-            <a:r>
-              <a:rPr lang="en-US" sz="2800" dirty="0">
-                <a:solidFill>
-                  <a:srgbClr val="FF0000"/>
-                </a:solidFill>
-              </a:rPr>
-              <a:t>Or whichever plots provide easiest talking point for the speaker.</a:t>
-            </a:r>
-          </a:p>
-          <a:p>
-            <a:endParaRPr lang="en-US" sz="2800" dirty="0">
-              <a:solidFill>
-                <a:srgbClr val="FF0000"/>
-              </a:solidFill>
-            </a:endParaRPr>
-          </a:p>
-          <a:p>
-            <a:endParaRPr lang="en-US" sz="2800" dirty="0">
-              <a:solidFill>
-                <a:srgbClr val="FF0000"/>
-              </a:solidFill>
-            </a:endParaRPr>
-          </a:p>
-          <a:p>
-            <a:endParaRPr lang="en-US" sz="2800" dirty="0">
-              <a:solidFill>
-                <a:srgbClr val="FF0000"/>
-              </a:solidFill>
-            </a:endParaRPr>
-          </a:p>
-          <a:p>
-            <a:pPr marL="457200" indent="-457200">
-              <a:buFont typeface="Arial" panose="020B0604020202020204" pitchFamily="34" charset="0"/>
-              <a:buChar char="•"/>
-            </a:pPr>
-            <a:r>
-              <a:rPr lang="en-US" sz="2800" dirty="0">
-                <a:solidFill>
-                  <a:srgbClr val="FF0000"/>
-                </a:solidFill>
-              </a:rPr>
-              <a:t>Make a clear statement that there are many variables affecting the regression plots.</a:t>
-            </a:r>
-          </a:p>
-        </p:txBody>
-      </p:sp>
+                <a:latin typeface="+mj-lt"/>
+                <a:ea typeface="+mj-ea"/>
+                <a:cs typeface="+mj-cs"/>
+              </a:defRPr>
+            </a:lvl1pPr>
+          </a:lstStyle>
+          <a:p>
+            <a:r>
+              <a:rPr lang="en-US" dirty="0"/>
+              <a:t>Effect on complete vaccination series</a:t>
+            </a:r>
+          </a:p>
+        </p:txBody>
+      </p:sp>
+      <p:pic>
+        <p:nvPicPr>
+          <p:cNvPr id="4" name="Picture 3">
+            <a:extLst>
+              <a:ext uri="{FF2B5EF4-FFF2-40B4-BE49-F238E27FC236}">
+                <a16:creationId xmlns:a16="http://schemas.microsoft.com/office/drawing/2014/main" id="{65EE036F-F999-785E-3335-D3B0A2F31994}"/>
+              </a:ext>
+            </a:extLst>
+          </p:cNvPr>
+          <p:cNvPicPr>
+            <a:picLocks noChangeAspect="1"/>
+          </p:cNvPicPr>
+          <p:nvPr/>
+        </p:nvPicPr>
+        <p:blipFill>
+          <a:blip r:embed="rId2"/>
+          <a:stretch>
+            <a:fillRect/>
+          </a:stretch>
+        </p:blipFill>
+        <p:spPr>
+          <a:xfrm>
+            <a:off x="1216763" y="1011715"/>
+            <a:ext cx="4529903" cy="4834569"/>
+          </a:xfrm>
+          <a:prstGeom prst="rect">
+            <a:avLst/>
+          </a:prstGeom>
+        </p:spPr>
+      </p:pic>
+      <p:pic>
+        <p:nvPicPr>
+          <p:cNvPr id="6" name="Picture 5">
+            <a:extLst>
+              <a:ext uri="{FF2B5EF4-FFF2-40B4-BE49-F238E27FC236}">
+                <a16:creationId xmlns:a16="http://schemas.microsoft.com/office/drawing/2014/main" id="{730C3028-BA73-9F09-DB9E-F6EC3B8E232D}"/>
+              </a:ext>
+            </a:extLst>
+          </p:cNvPr>
+          <p:cNvPicPr>
+            <a:picLocks noChangeAspect="1"/>
+          </p:cNvPicPr>
+          <p:nvPr/>
+        </p:nvPicPr>
+        <p:blipFill>
+          <a:blip r:embed="rId3"/>
+          <a:stretch>
+            <a:fillRect/>
+          </a:stretch>
+        </p:blipFill>
+        <p:spPr>
+          <a:xfrm>
+            <a:off x="5886625" y="955270"/>
+            <a:ext cx="5235445" cy="4834569"/>
+          </a:xfrm>
+          <a:prstGeom prst="rect">
+            <a:avLst/>
+          </a:prstGeom>
+        </p:spPr>
+      </p:pic>
     </p:spTree>
     <p:extLst>
       <p:ext uri="{BB962C8B-B14F-4D97-AF65-F5344CB8AC3E}">
-        <p14:creationId xmlns:p14="http://schemas.microsoft.com/office/powerpoint/2010/main" val="2755262538"/>
+        <p14:creationId xmlns:p14="http://schemas.microsoft.com/office/powerpoint/2010/main" val="3584246277"/>
       </p:ext>
     </p:extLst>
   </p:cSld>
@@ -5535,13 +5711,13 @@
         <p:spPr/>
         <p:txBody>
           <a:bodyPr>
-            <a:normAutofit fontScale="90000"/>
+            <a:normAutofit/>
           </a:bodyPr>
           <a:lstStyle/>
           <a:p>
             <a:r>
               <a:rPr lang="en-US" dirty="0"/>
-              <a:t>Your conclusions, including a numerical summary and visualizations of the summary</a:t>
+              <a:t>Conclusions</a:t>
             </a:r>
           </a:p>
         </p:txBody>
@@ -5564,7 +5740,9 @@
         </p:nvSpPr>
         <p:spPr/>
         <p:txBody>
-          <a:bodyPr/>
+          <a:bodyPr>
+            <a:normAutofit/>
+          </a:bodyPr>
           <a:lstStyle/>
           <a:p>
             <a:pPr>
@@ -5574,25 +5752,57 @@
             <a:r>
               <a:rPr lang="en-US" dirty="0">
                 <a:solidFill>
-                  <a:srgbClr val="FF0000"/>
+                  <a:schemeClr val="tx1"/>
                 </a:solidFill>
               </a:rPr>
-              <a:t> Joanna to pick the top 2 or three conclusions here.</a:t>
-            </a:r>
-          </a:p>
-          <a:p>
-            <a:pPr lvl="1">
-              <a:buFont typeface="Wingdings" panose="05000000000000000000" pitchFamily="2" charset="2"/>
-              <a:buChar char="§"/>
-            </a:pPr>
-            <a:r>
-              <a:rPr lang="en-US" dirty="0">
+              <a:t> </a:t>
+            </a:r>
+            <a:r>
+              <a:rPr lang="en-US" sz="2800" dirty="0">
                 <a:solidFill>
-                  <a:srgbClr val="FF0000"/>
+                  <a:schemeClr val="tx1">
+                    <a:lumMod val="85000"/>
+                    <a:lumOff val="15000"/>
+                  </a:schemeClr>
                 </a:solidFill>
               </a:rPr>
-              <a:t>Talking about what we did NOT conclude is great too! Or other topics that were out of scope of either the data set or our analysis.</a:t>
-            </a:r>
+              <a:t>There is </a:t>
+            </a:r>
+            <a:r>
+              <a:rPr lang="en-US" sz="2800" b="1" dirty="0">
+                <a:solidFill>
+                  <a:schemeClr val="tx1">
+                    <a:lumMod val="85000"/>
+                    <a:lumOff val="15000"/>
+                  </a:schemeClr>
+                </a:solidFill>
+              </a:rPr>
+              <a:t>not a strong correlation</a:t>
+            </a:r>
+            <a:r>
+              <a:rPr lang="en-US" sz="2800" dirty="0">
+                <a:solidFill>
+                  <a:schemeClr val="tx1">
+                    <a:lumMod val="85000"/>
+                    <a:lumOff val="15000"/>
+                  </a:schemeClr>
+                </a:solidFill>
+              </a:rPr>
+              <a:t> between state or local government use of SLFRF money for vaccination projects and vaccination rates in those states, at least on the variables we measured.</a:t>
+            </a:r>
+          </a:p>
+          <a:p>
+            <a:pPr marL="0" indent="0">
+              <a:buNone/>
+            </a:pPr>
+            <a:endParaRPr lang="en-US" sz="2800" dirty="0">
+              <a:solidFill>
+                <a:schemeClr val="tx1">
+                  <a:lumMod val="85000"/>
+                  <a:lumOff val="15000"/>
+                </a:schemeClr>
+              </a:solidFill>
+            </a:endParaRPr>
           </a:p>
           <a:p>
             <a:pPr>
@@ -5600,51 +5810,89 @@
               <a:buChar char="§"/>
             </a:pPr>
             <a:r>
-              <a:rPr lang="en-US" dirty="0"/>
-              <a:t> </a:t>
-            </a:r>
-            <a:r>
               <a:rPr lang="en-US" dirty="0">
                 <a:solidFill>
-                  <a:srgbClr val="FF0000"/>
+                  <a:schemeClr val="tx1">
+                    <a:lumMod val="85000"/>
+                    <a:lumOff val="15000"/>
+                  </a:schemeClr>
                 </a:solidFill>
               </a:rPr>
-              <a:t>(EARN workbook data conclusion) </a:t>
-            </a:r>
-            <a:r>
-              <a:rPr lang="en-US" dirty="0"/>
-              <a:t>There was no noticeably trend across states for total Fed $ granted and whether states spent more or less on vaccine-related projects.</a:t>
-            </a:r>
-          </a:p>
-          <a:p>
-            <a:pPr>
-              <a:buFont typeface="Wingdings" panose="05000000000000000000" pitchFamily="2" charset="2"/>
-              <a:buChar char="§"/>
+              <a:t> </a:t>
+            </a:r>
+            <a:r>
+              <a:rPr lang="en-US" sz="2400" dirty="0">
+                <a:solidFill>
+                  <a:schemeClr val="tx1">
+                    <a:lumMod val="85000"/>
+                    <a:lumOff val="15000"/>
+                  </a:schemeClr>
+                </a:solidFill>
+              </a:rPr>
+              <a:t>What are some possible reasons for this?</a:t>
+            </a:r>
+          </a:p>
+          <a:p>
+            <a:pPr lvl="1">
+              <a:buFont typeface="Arial" panose="020B0604020202020204" pitchFamily="34" charset="0"/>
+              <a:buChar char="•"/>
             </a:pPr>
             <a:r>
-              <a:rPr lang="en-US" dirty="0"/>
-              <a:t> (Kendal’s data conclusions)</a:t>
-            </a:r>
-          </a:p>
-          <a:p>
-            <a:pPr>
-              <a:buFont typeface="Wingdings" panose="05000000000000000000" pitchFamily="2" charset="2"/>
-              <a:buChar char="§"/>
+              <a:rPr lang="en-US" sz="2000" b="1" dirty="0">
+                <a:solidFill>
+                  <a:schemeClr val="tx1">
+                    <a:lumMod val="85000"/>
+                    <a:lumOff val="15000"/>
+                  </a:schemeClr>
+                </a:solidFill>
+              </a:rPr>
+              <a:t>Other funding: </a:t>
+            </a:r>
+            <a:r>
+              <a:rPr lang="en-US" sz="2000" dirty="0">
+                <a:solidFill>
+                  <a:schemeClr val="tx1">
+                    <a:lumMod val="85000"/>
+                    <a:lumOff val="15000"/>
+                  </a:schemeClr>
+                </a:solidFill>
+              </a:rPr>
+              <a:t>States may have used other funding to vaccinate residents</a:t>
+            </a:r>
+          </a:p>
+          <a:p>
+            <a:pPr lvl="1">
+              <a:buFont typeface="Arial" panose="020B0604020202020204" pitchFamily="34" charset="0"/>
+              <a:buChar char="•"/>
             </a:pPr>
             <a:r>
-              <a:rPr lang="en-US" dirty="0"/>
-              <a:t> (Greg’s data conclusions)</a:t>
-            </a:r>
-          </a:p>
-          <a:p>
-            <a:pPr>
-              <a:buFont typeface="Wingdings" panose="05000000000000000000" pitchFamily="2" charset="2"/>
-              <a:buChar char="§"/>
+              <a:rPr lang="en-US" sz="2000" b="1" dirty="0">
+                <a:solidFill>
+                  <a:schemeClr val="tx1">
+                    <a:lumMod val="85000"/>
+                    <a:lumOff val="15000"/>
+                  </a:schemeClr>
+                </a:solidFill>
+              </a:rPr>
+              <a:t>Timing:</a:t>
+            </a:r>
+            <a:r>
+              <a:rPr lang="en-US" sz="2000" dirty="0">
+                <a:solidFill>
+                  <a:schemeClr val="tx1">
+                    <a:lumMod val="85000"/>
+                    <a:lumOff val="15000"/>
+                  </a:schemeClr>
+                </a:solidFill>
+              </a:rPr>
+              <a:t> Many people may have received initial vaccinations before most SLFRF programs were launched</a:t>
+            </a:r>
+          </a:p>
+          <a:p>
+            <a:pPr marL="0" indent="0">
+              <a:buNone/>
             </a:pPr>
-            <a:r>
-              <a:rPr lang="en-US" dirty="0"/>
-              <a:t>Insert repeated copy of the most significant graphs from our analysis to bring the audience back to what was stated earlier in presentation. (if it helps)</a:t>
-            </a:r>
+            <a:endParaRPr lang="en-US" dirty="0"/>
           </a:p>
         </p:txBody>
       </p:sp>
@@ -5735,8 +5983,14 @@
             </a:pPr>
             <a:r>
               <a:rPr lang="en-US" dirty="0"/>
-              <a:t> (We should put our slide deck together before filling this out because this will need to align with the outcome of our analysis and analysis conclusion presented).</a:t>
-            </a:r>
+              <a:t> To find out more about the effectiveness of vaccine programs and/or SLFRF funding, a more granular approach to the analysis is needed.</a:t>
+            </a:r>
+          </a:p>
+          <a:p>
+            <a:pPr marL="0" indent="0">
+              <a:buNone/>
+            </a:pPr>
+            <a:endParaRPr lang="en-US" dirty="0"/>
           </a:p>
           <a:p>
             <a:pPr>
@@ -5745,16 +5999,86 @@
             </a:pPr>
             <a:r>
               <a:rPr lang="en-US" dirty="0"/>
-              <a:t> (What would potential next steps be if this presentation was the “scoping phase”) </a:t>
-            </a:r>
-            <a:r>
-              <a:rPr lang="en-US" dirty="0">
+              <a:t> </a:t>
+            </a:r>
+            <a:r>
+              <a:rPr lang="en-US" sz="2200" dirty="0">
                 <a:solidFill>
-                  <a:srgbClr val="FF0000"/>
+                  <a:schemeClr val="tx1">
+                    <a:lumMod val="85000"/>
+                    <a:lumOff val="15000"/>
+                  </a:schemeClr>
                 </a:solidFill>
               </a:rPr>
-              <a:t>This will depend on our individual conclusions, really.</a:t>
-            </a:r>
+              <a:t>Other analyses that may be of interest:</a:t>
+            </a:r>
+          </a:p>
+          <a:p>
+            <a:pPr lvl="1">
+              <a:buFont typeface="Arial" panose="020B0604020202020204" pitchFamily="34" charset="0"/>
+              <a:buChar char="•"/>
+            </a:pPr>
+            <a:r>
+              <a:rPr lang="en-US" sz="2000" b="1" dirty="0">
+                <a:solidFill>
+                  <a:schemeClr val="tx1">
+                    <a:lumMod val="85000"/>
+                    <a:lumOff val="15000"/>
+                  </a:schemeClr>
+                </a:solidFill>
+              </a:rPr>
+              <a:t>Bivalent Vaccine: </a:t>
+            </a:r>
+            <a:r>
+              <a:rPr lang="en-US" sz="2000" dirty="0">
+                <a:solidFill>
+                  <a:schemeClr val="tx1">
+                    <a:lumMod val="85000"/>
+                    <a:lumOff val="15000"/>
+                  </a:schemeClr>
+                </a:solidFill>
+              </a:rPr>
+              <a:t>Run the regression using vaccination rates with the bivalent vaccine (which came later). We did not do this only because we would have had to acquire additional data and there were time constraints on our project.</a:t>
+            </a:r>
+          </a:p>
+          <a:p>
+            <a:pPr lvl="1">
+              <a:buFont typeface="Arial" panose="020B0604020202020204" pitchFamily="34" charset="0"/>
+              <a:buChar char="•"/>
+            </a:pPr>
+            <a:r>
+              <a:rPr lang="en-US" sz="2000" b="1" dirty="0">
+                <a:solidFill>
+                  <a:schemeClr val="tx1">
+                    <a:lumMod val="85000"/>
+                    <a:lumOff val="15000"/>
+                  </a:schemeClr>
+                </a:solidFill>
+              </a:rPr>
+              <a:t>Change in Vaccination Rates: </a:t>
+            </a:r>
+            <a:r>
+              <a:rPr lang="en-US" sz="2000" dirty="0">
+                <a:solidFill>
+                  <a:schemeClr val="tx1">
+                    <a:lumMod val="85000"/>
+                    <a:lumOff val="15000"/>
+                  </a:schemeClr>
+                </a:solidFill>
+              </a:rPr>
+              <a:t>Determine an appropriate effective date when SLFRF money should be considered “in use” and investigate the change in vaccination rates between that date and the end of Q4 2022.</a:t>
+            </a:r>
+          </a:p>
+          <a:p>
+            <a:pPr>
+              <a:buFont typeface="Wingdings" panose="05000000000000000000" pitchFamily="2" charset="2"/>
+              <a:buChar char="§"/>
+            </a:pPr>
+            <a:endParaRPr lang="en-US" dirty="0">
+              <a:solidFill>
+                <a:srgbClr val="FF0000"/>
+              </a:solidFill>
+            </a:endParaRPr>
           </a:p>
         </p:txBody>
       </p:sp>
@@ -5762,6 +6086,186 @@
     <p:extLst>
       <p:ext uri="{BB962C8B-B14F-4D97-AF65-F5344CB8AC3E}">
         <p14:creationId xmlns:p14="http://schemas.microsoft.com/office/powerpoint/2010/main" val="3187080855"/>
+      </p:ext>
+    </p:extLst>
+  </p:cSld>
+  <p:clrMapOvr>
+    <a:masterClrMapping/>
+  </p:clrMapOvr>
+</p:sld>
+</file>
+
+<file path=ppt/slides/slide17.xml><?xml version="1.0" encoding="utf-8"?>
+<p:sld xmlns:a="http://schemas.openxmlformats.org/drawingml/2006/main" xmlns:r="http://schemas.openxmlformats.org/officeDocument/2006/relationships" xmlns:p="http://schemas.openxmlformats.org/presentationml/2006/main">
+  <p:cSld>
+    <p:spTree>
+      <p:nvGrpSpPr>
+        <p:cNvPr id="1" name=""/>
+        <p:cNvGrpSpPr/>
+        <p:nvPr/>
+      </p:nvGrpSpPr>
+      <p:grpSpPr>
+        <a:xfrm>
+          <a:off x="0" y="0"/>
+          <a:ext cx="0" cy="0"/>
+          <a:chOff x="0" y="0"/>
+          <a:chExt cx="0" cy="0"/>
+        </a:xfrm>
+      </p:grpSpPr>
+      <p:sp>
+        <p:nvSpPr>
+          <p:cNvPr id="2" name="Title 1">
+            <a:extLst>
+              <a:ext uri="{FF2B5EF4-FFF2-40B4-BE49-F238E27FC236}">
+                <a16:creationId xmlns:a16="http://schemas.microsoft.com/office/drawing/2014/main" id="{453172D4-56F2-D584-6AC7-E117190D5E4F}"/>
+              </a:ext>
+            </a:extLst>
+          </p:cNvPr>
+          <p:cNvSpPr>
+            <a:spLocks noGrp="1"/>
+          </p:cNvSpPr>
+          <p:nvPr>
+            <p:ph type="title"/>
+          </p:nvPr>
+        </p:nvSpPr>
+        <p:spPr/>
+        <p:txBody>
+          <a:bodyPr/>
+          <a:lstStyle/>
+          <a:p>
+            <a:r>
+              <a:rPr lang="en-US" dirty="0"/>
+              <a:t>Other Avenues of Inquiry</a:t>
+            </a:r>
+          </a:p>
+        </p:txBody>
+      </p:sp>
+      <p:sp>
+        <p:nvSpPr>
+          <p:cNvPr id="3" name="Content Placeholder 2">
+            <a:extLst>
+              <a:ext uri="{FF2B5EF4-FFF2-40B4-BE49-F238E27FC236}">
+                <a16:creationId xmlns:a16="http://schemas.microsoft.com/office/drawing/2014/main" id="{8B94EBAD-EDD6-C1B9-CAE3-2558DA53EEF4}"/>
+              </a:ext>
+            </a:extLst>
+          </p:cNvPr>
+          <p:cNvSpPr>
+            <a:spLocks noGrp="1"/>
+          </p:cNvSpPr>
+          <p:nvPr>
+            <p:ph idx="1"/>
+          </p:nvPr>
+        </p:nvSpPr>
+        <p:spPr/>
+        <p:txBody>
+          <a:bodyPr>
+            <a:normAutofit lnSpcReduction="10000"/>
+          </a:bodyPr>
+          <a:lstStyle/>
+          <a:p>
+            <a:r>
+              <a:rPr lang="en-US" sz="2400" dirty="0"/>
+              <a:t>EARN/SLFRF Data</a:t>
+            </a:r>
+          </a:p>
+          <a:p>
+            <a:pPr>
+              <a:buFont typeface="Wingdings" panose="05000000000000000000" pitchFamily="2" charset="2"/>
+              <a:buChar char="§"/>
+            </a:pPr>
+            <a:r>
+              <a:rPr lang="en-US" dirty="0"/>
+              <a:t>Analyze with other datasets to examine how programs affected:</a:t>
+            </a:r>
+          </a:p>
+          <a:p>
+            <a:pPr lvl="1">
+              <a:buFont typeface="Wingdings" panose="05000000000000000000" pitchFamily="2" charset="2"/>
+              <a:buChar char="§"/>
+            </a:pPr>
+            <a:r>
+              <a:rPr lang="en-US" dirty="0"/>
+              <a:t>Unemployment and economic recovery</a:t>
+            </a:r>
+          </a:p>
+          <a:p>
+            <a:pPr lvl="1">
+              <a:buFont typeface="Wingdings" panose="05000000000000000000" pitchFamily="2" charset="2"/>
+              <a:buChar char="§"/>
+            </a:pPr>
+            <a:r>
+              <a:rPr lang="en-US" dirty="0"/>
+              <a:t>Infrastructure improvements in states that used funds</a:t>
+            </a:r>
+          </a:p>
+          <a:p>
+            <a:pPr lvl="1">
+              <a:buFont typeface="Wingdings" panose="05000000000000000000" pitchFamily="2" charset="2"/>
+              <a:buChar char="§"/>
+            </a:pPr>
+            <a:r>
+              <a:rPr lang="en-US" dirty="0"/>
+              <a:t>Essential worker pay and retention</a:t>
+            </a:r>
+          </a:p>
+          <a:p>
+            <a:pPr>
+              <a:buFont typeface="Wingdings" panose="05000000000000000000" pitchFamily="2" charset="2"/>
+              <a:buChar char="§"/>
+            </a:pPr>
+            <a:r>
+              <a:rPr lang="en-US" dirty="0"/>
+              <a:t> Observe if there is a correlation in which party controlled the legislature and governor’s mansion and whether a state used more of its SLFRF funding allocation.</a:t>
+            </a:r>
+          </a:p>
+          <a:p>
+            <a:r>
+              <a:rPr lang="en-US" sz="2400" dirty="0"/>
+              <a:t>CDC Vaccination Data</a:t>
+            </a:r>
+          </a:p>
+          <a:p>
+            <a:pPr>
+              <a:buFont typeface="Wingdings" panose="05000000000000000000" pitchFamily="2" charset="2"/>
+              <a:buChar char="§"/>
+            </a:pPr>
+            <a:r>
+              <a:rPr lang="en-US" dirty="0"/>
+              <a:t> </a:t>
+            </a:r>
+            <a:r>
+              <a:rPr lang="en-US" b="1" dirty="0"/>
+              <a:t>Investigate vaccine differential: </a:t>
+            </a:r>
+            <a:r>
+              <a:rPr lang="en-US" dirty="0"/>
+              <a:t>some states vaccinated many non-residents, while others had many residents who were vaccinated elsewhere</a:t>
+            </a:r>
+          </a:p>
+          <a:p>
+            <a:pPr>
+              <a:buFont typeface="Wingdings" panose="05000000000000000000" pitchFamily="2" charset="2"/>
+              <a:buChar char="§"/>
+            </a:pPr>
+            <a:r>
+              <a:rPr lang="en-US" dirty="0"/>
+              <a:t> </a:t>
+            </a:r>
+            <a:r>
+              <a:rPr lang="en-US" b="1" dirty="0"/>
+              <a:t>Bivalent vaccine drop-off: </a:t>
+            </a:r>
+            <a:r>
+              <a:rPr lang="en-US" dirty="0"/>
+              <a:t>did it differ geographically? Any identifiable causes?</a:t>
+            </a:r>
+          </a:p>
+        </p:txBody>
+      </p:sp>
+    </p:spTree>
+    <p:extLst>
+      <p:ext uri="{BB962C8B-B14F-4D97-AF65-F5344CB8AC3E}">
+        <p14:creationId xmlns:p14="http://schemas.microsoft.com/office/powerpoint/2010/main" val="1356819846"/>
       </p:ext>
     </p:extLst>
   </p:cSld>
@@ -5793,113 +6297,6 @@
           <p:cNvPr id="2" name="Title 1">
             <a:extLst>
               <a:ext uri="{FF2B5EF4-FFF2-40B4-BE49-F238E27FC236}">
-                <a16:creationId xmlns:a16="http://schemas.microsoft.com/office/drawing/2014/main" id="{C5F1274F-4DAD-5A60-689D-910FA4C88A32}"/>
-              </a:ext>
-            </a:extLst>
-          </p:cNvPr>
-          <p:cNvSpPr>
-            <a:spLocks noGrp="1"/>
-          </p:cNvSpPr>
-          <p:nvPr>
-            <p:ph type="ctrTitle"/>
-          </p:nvPr>
-        </p:nvSpPr>
-        <p:spPr/>
-        <p:txBody>
-          <a:bodyPr>
-            <a:normAutofit/>
-          </a:bodyPr>
-          <a:lstStyle/>
-          <a:p>
-            <a:r>
-              <a:rPr lang="en-US" sz="6600" dirty="0"/>
-              <a:t>State and Local Fiscal Recovery Funds (SLFRF) Spending </a:t>
-            </a:r>
-            <a:br>
-              <a:rPr lang="en-US" sz="6600" dirty="0"/>
-            </a:br>
-            <a:r>
-              <a:rPr lang="en-US" sz="6600" dirty="0"/>
-              <a:t>vs. Vaccination Rates</a:t>
-            </a:r>
-          </a:p>
-        </p:txBody>
-      </p:sp>
-      <p:sp>
-        <p:nvSpPr>
-          <p:cNvPr id="3" name="Subtitle 2">
-            <a:extLst>
-              <a:ext uri="{FF2B5EF4-FFF2-40B4-BE49-F238E27FC236}">
-                <a16:creationId xmlns:a16="http://schemas.microsoft.com/office/drawing/2014/main" id="{16EAF2CC-0863-A164-C9FC-875C83ACAE1D}"/>
-              </a:ext>
-            </a:extLst>
-          </p:cNvPr>
-          <p:cNvSpPr>
-            <a:spLocks noGrp="1"/>
-          </p:cNvSpPr>
-          <p:nvPr>
-            <p:ph type="subTitle" idx="1"/>
-          </p:nvPr>
-        </p:nvSpPr>
-        <p:spPr/>
-        <p:txBody>
-          <a:bodyPr>
-            <a:normAutofit fontScale="92500" lnSpcReduction="10000"/>
-          </a:bodyPr>
-          <a:lstStyle/>
-          <a:p>
-            <a:r>
-              <a:rPr lang="en-US" dirty="0"/>
-              <a:t>Group 7:</a:t>
-            </a:r>
-          </a:p>
-          <a:p>
-            <a:r>
-              <a:rPr lang="en-US" dirty="0">
-                <a:solidFill>
-                  <a:schemeClr val="tx1"/>
-                </a:solidFill>
-              </a:rPr>
-              <a:t>Kendal Bergman, Joanna DeLaune, Aaliyah Lockett, Greg Michalak, Evan Sprecher</a:t>
-            </a:r>
-          </a:p>
-        </p:txBody>
-      </p:sp>
-    </p:spTree>
-    <p:extLst>
-      <p:ext uri="{BB962C8B-B14F-4D97-AF65-F5344CB8AC3E}">
-        <p14:creationId xmlns:p14="http://schemas.microsoft.com/office/powerpoint/2010/main" val="4092171855"/>
-      </p:ext>
-    </p:extLst>
-  </p:cSld>
-  <p:clrMapOvr>
-    <a:masterClrMapping/>
-  </p:clrMapOvr>
-</p:sld>
-</file>
-
-<file path=ppt/slides/slide3.xml><?xml version="1.0" encoding="utf-8"?>
-<p:sld xmlns:a="http://schemas.openxmlformats.org/drawingml/2006/main" xmlns:r="http://schemas.openxmlformats.org/officeDocument/2006/relationships" xmlns:p="http://schemas.openxmlformats.org/presentationml/2006/main">
-  <p:cSld>
-    <p:spTree>
-      <p:nvGrpSpPr>
-        <p:cNvPr id="1" name=""/>
-        <p:cNvGrpSpPr/>
-        <p:nvPr/>
-      </p:nvGrpSpPr>
-      <p:grpSpPr>
-        <a:xfrm>
-          <a:off x="0" y="0"/>
-          <a:ext cx="0" cy="0"/>
-          <a:chOff x="0" y="0"/>
-          <a:chExt cx="0" cy="0"/>
-        </a:xfrm>
-      </p:grpSpPr>
-      <p:sp>
-        <p:nvSpPr>
-          <p:cNvPr id="2" name="Title 1">
-            <a:extLst>
-              <a:ext uri="{FF2B5EF4-FFF2-40B4-BE49-F238E27FC236}">
                 <a16:creationId xmlns:a16="http://schemas.microsoft.com/office/drawing/2014/main" id="{39A22D10-99F4-6D9D-7448-86DBB08D559F}"/>
               </a:ext>
             </a:extLst>
@@ -6085,7 +6482,7 @@
 </p:sld>
 </file>
 
-<file path=ppt/slides/slide4.xml><?xml version="1.0" encoding="utf-8"?>
+<file path=ppt/slides/slide3.xml><?xml version="1.0" encoding="utf-8"?>
 <p:sld xmlns:a="http://schemas.openxmlformats.org/drawingml/2006/main" xmlns:r="http://schemas.openxmlformats.org/officeDocument/2006/relationships" xmlns:p="http://schemas.openxmlformats.org/presentationml/2006/main">
   <p:cSld>
     <p:spTree>
@@ -6263,7 +6660,7 @@
 </p:sld>
 </file>
 
-<file path=ppt/slides/slide5.xml><?xml version="1.0" encoding="utf-8"?>
+<file path=ppt/slides/slide4.xml><?xml version="1.0" encoding="utf-8"?>
 <p:sld xmlns:a="http://schemas.openxmlformats.org/drawingml/2006/main" xmlns:r="http://schemas.openxmlformats.org/officeDocument/2006/relationships" xmlns:p="http://schemas.openxmlformats.org/presentationml/2006/main">
   <p:cSld>
     <p:spTree>
@@ -6614,7 +7011,7 @@
 </p:sld>
 </file>
 
-<file path=ppt/slides/slide6.xml><?xml version="1.0" encoding="utf-8"?>
+<file path=ppt/slides/slide5.xml><?xml version="1.0" encoding="utf-8"?>
 <p:sld xmlns:a="http://schemas.openxmlformats.org/drawingml/2006/main" xmlns:r="http://schemas.openxmlformats.org/officeDocument/2006/relationships" xmlns:p="http://schemas.openxmlformats.org/presentationml/2006/main">
   <p:cSld>
     <p:spTree>
@@ -6744,7 +7141,7 @@
 </p:sld>
 </file>
 
-<file path=ppt/slides/slide7.xml><?xml version="1.0" encoding="utf-8"?>
+<file path=ppt/slides/slide6.xml><?xml version="1.0" encoding="utf-8"?>
 <p:sld xmlns:a="http://schemas.openxmlformats.org/drawingml/2006/main" xmlns:r="http://schemas.openxmlformats.org/officeDocument/2006/relationships" xmlns:p="http://schemas.openxmlformats.org/presentationml/2006/main">
   <p:cSld>
     <p:spTree>
@@ -6975,6 +7372,155 @@
 </p:sld>
 </file>
 
+<file path=ppt/slides/slide7.xml><?xml version="1.0" encoding="utf-8"?>
+<p:sld xmlns:a="http://schemas.openxmlformats.org/drawingml/2006/main" xmlns:r="http://schemas.openxmlformats.org/officeDocument/2006/relationships" xmlns:p="http://schemas.openxmlformats.org/presentationml/2006/main">
+  <p:cSld>
+    <p:spTree>
+      <p:nvGrpSpPr>
+        <p:cNvPr id="1" name=""/>
+        <p:cNvGrpSpPr/>
+        <p:nvPr/>
+      </p:nvGrpSpPr>
+      <p:grpSpPr>
+        <a:xfrm>
+          <a:off x="0" y="0"/>
+          <a:ext cx="0" cy="0"/>
+          <a:chOff x="0" y="0"/>
+          <a:chExt cx="0" cy="0"/>
+        </a:xfrm>
+      </p:grpSpPr>
+      <p:sp>
+        <p:nvSpPr>
+          <p:cNvPr id="2" name="Title 1">
+            <a:extLst>
+              <a:ext uri="{FF2B5EF4-FFF2-40B4-BE49-F238E27FC236}">
+                <a16:creationId xmlns:a16="http://schemas.microsoft.com/office/drawing/2014/main" id="{D2E1FBFD-0843-8952-2571-6477109CBC9D}"/>
+              </a:ext>
+            </a:extLst>
+          </p:cNvPr>
+          <p:cNvSpPr>
+            <a:spLocks noGrp="1"/>
+          </p:cNvSpPr>
+          <p:nvPr>
+            <p:ph type="title"/>
+          </p:nvPr>
+        </p:nvSpPr>
+        <p:spPr/>
+        <p:txBody>
+          <a:bodyPr/>
+          <a:lstStyle/>
+          <a:p>
+            <a:r>
+              <a:rPr lang="en-US" dirty="0"/>
+              <a:t>Vaccination Status by State</a:t>
+            </a:r>
+          </a:p>
+        </p:txBody>
+      </p:sp>
+      <p:sp>
+        <p:nvSpPr>
+          <p:cNvPr id="9" name="TextBox 8">
+            <a:extLst>
+              <a:ext uri="{FF2B5EF4-FFF2-40B4-BE49-F238E27FC236}">
+                <a16:creationId xmlns:a16="http://schemas.microsoft.com/office/drawing/2014/main" id="{2BE1898A-FE02-FCB0-1217-3365C2082860}"/>
+              </a:ext>
+            </a:extLst>
+          </p:cNvPr>
+          <p:cNvSpPr txBox="1"/>
+          <p:nvPr/>
+        </p:nvSpPr>
+        <p:spPr>
+          <a:xfrm>
+            <a:off x="9570720" y="2011680"/>
+            <a:ext cx="2275840" cy="1754326"/>
+          </a:xfrm>
+          <a:prstGeom prst="rect">
+            <a:avLst/>
+          </a:prstGeom>
+          <a:noFill/>
+        </p:spPr>
+        <p:txBody>
+          <a:bodyPr wrap="square" rtlCol="0">
+            <a:spAutoFit/>
+          </a:bodyPr>
+          <a:lstStyle/>
+          <a:p>
+            <a:r>
+              <a:rPr lang="en-US" dirty="0"/>
+              <a:t>Mean – 68% (WI)</a:t>
+            </a:r>
+          </a:p>
+          <a:p>
+            <a:endParaRPr lang="en-US" dirty="0"/>
+          </a:p>
+          <a:p>
+            <a:r>
+              <a:rPr lang="en-US" dirty="0"/>
+              <a:t>Min – 53% (AL)</a:t>
+            </a:r>
+          </a:p>
+          <a:p>
+            <a:endParaRPr lang="en-US" dirty="0"/>
+          </a:p>
+          <a:p>
+            <a:r>
+              <a:rPr lang="en-US" dirty="0"/>
+              <a:t>Max – 87% (RI)</a:t>
+            </a:r>
+          </a:p>
+          <a:p>
+            <a:endParaRPr lang="en-US" dirty="0"/>
+          </a:p>
+        </p:txBody>
+      </p:sp>
+      <p:pic>
+        <p:nvPicPr>
+          <p:cNvPr id="13" name="Content Placeholder 12">
+            <a:extLst>
+              <a:ext uri="{FF2B5EF4-FFF2-40B4-BE49-F238E27FC236}">
+                <a16:creationId xmlns:a16="http://schemas.microsoft.com/office/drawing/2014/main" id="{CF79CC70-63E6-E0C5-E732-EB2EDCF725E8}"/>
+              </a:ext>
+            </a:extLst>
+          </p:cNvPr>
+          <p:cNvPicPr>
+            <a:picLocks noGrp="1" noChangeAspect="1"/>
+          </p:cNvPicPr>
+          <p:nvPr>
+            <p:ph idx="1"/>
+          </p:nvPr>
+        </p:nvPicPr>
+        <p:blipFill>
+          <a:blip r:embed="rId2">
+            <a:extLst>
+              <a:ext uri="{28A0092B-C50C-407E-A947-70E740481C1C}">
+                <a14:useLocalDpi xmlns:a14="http://schemas.microsoft.com/office/drawing/2010/main" val="0"/>
+              </a:ext>
+            </a:extLst>
+          </a:blip>
+          <a:stretch>
+            <a:fillRect/>
+          </a:stretch>
+        </p:blipFill>
+        <p:spPr>
+          <a:xfrm>
+            <a:off x="1424389" y="1939782"/>
+            <a:ext cx="8006463" cy="4254956"/>
+          </a:xfrm>
+        </p:spPr>
+      </p:pic>
+    </p:spTree>
+    <p:extLst>
+      <p:ext uri="{BB962C8B-B14F-4D97-AF65-F5344CB8AC3E}">
+        <p14:creationId xmlns:p14="http://schemas.microsoft.com/office/powerpoint/2010/main" val="2541148371"/>
+      </p:ext>
+    </p:extLst>
+  </p:cSld>
+  <p:clrMapOvr>
+    <a:masterClrMapping/>
+  </p:clrMapOvr>
+</p:sld>
+</file>
+
 <file path=ppt/slides/slide8.xml><?xml version="1.0" encoding="utf-8"?>
 <p:sld xmlns:a="http://schemas.openxmlformats.org/drawingml/2006/main" xmlns:r="http://schemas.openxmlformats.org/officeDocument/2006/relationships" xmlns:p="http://schemas.openxmlformats.org/presentationml/2006/main">
   <p:cSld>
@@ -6997,7 +7543,7 @@
           <p:cNvPr id="2" name="Title 1">
             <a:extLst>
               <a:ext uri="{FF2B5EF4-FFF2-40B4-BE49-F238E27FC236}">
-                <a16:creationId xmlns:a16="http://schemas.microsoft.com/office/drawing/2014/main" id="{8D762A82-5C67-55DD-9A6F-0C7827E11DE6}"/>
+                <a16:creationId xmlns:a16="http://schemas.microsoft.com/office/drawing/2014/main" id="{CE09C882-CA28-96A8-EB82-C99D7FAA8D87}"/>
               </a:ext>
             </a:extLst>
           </p:cNvPr>
@@ -7016,18 +7562,18 @@
           <a:lstStyle/>
           <a:p>
             <a:r>
-              <a:rPr lang="en-US" dirty="0"/>
-              <a:t>The analysis process</a:t>
-            </a:r>
-          </a:p>
-        </p:txBody>
-      </p:sp>
-      <p:sp>
-        <p:nvSpPr>
-          <p:cNvPr id="3" name="Content Placeholder 2">
+              <a:rPr lang="en-US" sz="4000" dirty="0"/>
+              <a:t>Vaccination Status by State – Age Groups</a:t>
+            </a:r>
+          </a:p>
+        </p:txBody>
+      </p:sp>
+      <p:sp>
+        <p:nvSpPr>
+          <p:cNvPr id="9" name="Text Placeholder 8">
             <a:extLst>
               <a:ext uri="{FF2B5EF4-FFF2-40B4-BE49-F238E27FC236}">
-                <a16:creationId xmlns:a16="http://schemas.microsoft.com/office/drawing/2014/main" id="{AF3F6DD1-CDA7-163A-9A93-EF1AD6EE2659}"/>
+                <a16:creationId xmlns:a16="http://schemas.microsoft.com/office/drawing/2014/main" id="{6AE53777-E1D7-79E8-D64E-3A241394DBD0}"/>
               </a:ext>
             </a:extLst>
           </p:cNvPr>
@@ -7035,120 +7581,125 @@
             <a:spLocks noGrp="1"/>
           </p:cNvSpPr>
           <p:nvPr>
-            <p:ph idx="1"/>
+            <p:ph type="body" idx="1"/>
           </p:nvPr>
         </p:nvSpPr>
         <p:spPr/>
         <p:txBody>
-          <a:bodyPr>
-            <a:normAutofit/>
-          </a:bodyPr>
+          <a:bodyPr/>
           <a:lstStyle/>
           <a:p>
-            <a:pPr marL="0" indent="0">
-              <a:buNone/>
-            </a:pPr>
-            <a:r>
-              <a:rPr lang="en-US" strike="sngStrike" dirty="0">
-                <a:solidFill>
-                  <a:srgbClr val="FF0000"/>
-                </a:solidFill>
-              </a:rPr>
-              <a:t>Here’s where we show, don’t tell:</a:t>
-            </a:r>
-            <a:endParaRPr lang="en-US" dirty="0"/>
-          </a:p>
-          <a:p>
-            <a:pPr>
-              <a:buFont typeface="Wingdings" panose="05000000000000000000" pitchFamily="2" charset="2"/>
-              <a:buChar char="§"/>
-            </a:pPr>
+            <a:pPr algn="ctr"/>
             <a:r>
               <a:rPr lang="en-US" dirty="0"/>
-              <a:t> Slides showing state heatmaps.</a:t>
-            </a:r>
-          </a:p>
-          <a:p>
-            <a:pPr>
-              <a:buFont typeface="Wingdings" panose="05000000000000000000" pitchFamily="2" charset="2"/>
-              <a:buChar char="§"/>
-            </a:pPr>
-            <a:endParaRPr lang="en-US" dirty="0"/>
-          </a:p>
-          <a:p>
-            <a:pPr>
-              <a:buFont typeface="Wingdings" panose="05000000000000000000" pitchFamily="2" charset="2"/>
-              <a:buChar char="§"/>
-            </a:pPr>
-            <a:r>
-              <a:rPr lang="en-US" strike="sngStrike" dirty="0"/>
-              <a:t> Then bar charts for categories by state (spending or count of charts for top 3 or 4 vaccinator states).</a:t>
-            </a:r>
-          </a:p>
-          <a:p>
-            <a:pPr>
-              <a:buFont typeface="Wingdings" panose="05000000000000000000" pitchFamily="2" charset="2"/>
-              <a:buChar char="§"/>
-            </a:pPr>
-            <a:endParaRPr lang="en-US" dirty="0"/>
-          </a:p>
-          <a:p>
-            <a:pPr>
-              <a:buFont typeface="Wingdings" panose="05000000000000000000" pitchFamily="2" charset="2"/>
-              <a:buChar char="§"/>
-            </a:pPr>
-            <a:r>
-              <a:rPr lang="en-US" dirty="0"/>
-              <a:t> Then at least 1 correlation/regression plot? Would be moreso to showcase our ability to use the method.</a:t>
-            </a:r>
-          </a:p>
-        </p:txBody>
-      </p:sp>
-      <p:sp>
-        <p:nvSpPr>
-          <p:cNvPr id="4" name="TextBox 3">
+              <a:t>Ages 5 and up</a:t>
+            </a:r>
+          </a:p>
+        </p:txBody>
+      </p:sp>
+      <p:sp>
+        <p:nvSpPr>
+          <p:cNvPr id="10" name="Text Placeholder 9">
             <a:extLst>
               <a:ext uri="{FF2B5EF4-FFF2-40B4-BE49-F238E27FC236}">
-                <a16:creationId xmlns:a16="http://schemas.microsoft.com/office/drawing/2014/main" id="{A6A7A421-47E1-B407-409D-9346D51D5780}"/>
+                <a16:creationId xmlns:a16="http://schemas.microsoft.com/office/drawing/2014/main" id="{C76B2DA6-CA3A-E260-1635-0987629F6AE7}"/>
               </a:ext>
             </a:extLst>
           </p:cNvPr>
-          <p:cNvSpPr txBox="1"/>
-          <p:nvPr/>
-        </p:nvSpPr>
+          <p:cNvSpPr>
+            <a:spLocks noGrp="1"/>
+          </p:cNvSpPr>
+          <p:nvPr>
+            <p:ph type="body" sz="quarter" idx="3"/>
+          </p:nvPr>
+        </p:nvSpPr>
+        <p:spPr/>
+        <p:txBody>
+          <a:bodyPr/>
+          <a:lstStyle/>
+          <a:p>
+            <a:pPr algn="ctr"/>
+            <a:r>
+              <a:rPr lang="en-US" dirty="0"/>
+              <a:t>Ages 12 and up</a:t>
+            </a:r>
+          </a:p>
+        </p:txBody>
+      </p:sp>
+      <p:pic>
+        <p:nvPicPr>
+          <p:cNvPr id="14" name="Content Placeholder 13">
+            <a:extLst>
+              <a:ext uri="{FF2B5EF4-FFF2-40B4-BE49-F238E27FC236}">
+                <a16:creationId xmlns:a16="http://schemas.microsoft.com/office/drawing/2014/main" id="{42544D50-2F6B-8CE0-4FAC-8775E57FD5E0}"/>
+              </a:ext>
+            </a:extLst>
+          </p:cNvPr>
+          <p:cNvPicPr>
+            <a:picLocks noGrp="1" noChangeAspect="1"/>
+          </p:cNvPicPr>
+          <p:nvPr>
+            <p:ph sz="half" idx="2"/>
+          </p:nvPr>
+        </p:nvPicPr>
+        <p:blipFill>
+          <a:blip r:embed="rId2">
+            <a:extLst>
+              <a:ext uri="{28A0092B-C50C-407E-A947-70E740481C1C}">
+                <a14:useLocalDpi xmlns:a14="http://schemas.microsoft.com/office/drawing/2010/main" val="0"/>
+              </a:ext>
+            </a:extLst>
+          </a:blip>
+          <a:stretch>
+            <a:fillRect/>
+          </a:stretch>
+        </p:blipFill>
         <p:spPr>
           <a:xfrm>
-            <a:off x="211494" y="346401"/>
-            <a:ext cx="11522418" cy="523220"/>
+            <a:off x="1096963" y="2959648"/>
+            <a:ext cx="4938712" cy="2624629"/>
           </a:xfrm>
-          <a:prstGeom prst="rect">
-            <a:avLst/>
-          </a:prstGeom>
-          <a:solidFill>
-            <a:srgbClr val="FFFF00"/>
-          </a:solidFill>
         </p:spPr>
-        <p:txBody>
-          <a:bodyPr wrap="square" rtlCol="0">
-            <a:spAutoFit/>
-          </a:bodyPr>
-          <a:lstStyle/>
-          <a:p>
-            <a:r>
-              <a:rPr lang="en-US" sz="2800" dirty="0">
-                <a:solidFill>
-                  <a:srgbClr val="FF0000"/>
-                </a:solidFill>
-              </a:rPr>
-              <a:t>Delete this slide after the analysis plots are in their respective slides</a:t>
-            </a:r>
-          </a:p>
-        </p:txBody>
-      </p:sp>
+      </p:pic>
+      <p:pic>
+        <p:nvPicPr>
+          <p:cNvPr id="18" name="Content Placeholder 17">
+            <a:extLst>
+              <a:ext uri="{FF2B5EF4-FFF2-40B4-BE49-F238E27FC236}">
+                <a16:creationId xmlns:a16="http://schemas.microsoft.com/office/drawing/2014/main" id="{0B7A7C1A-48DD-0613-7D92-E582E9A906AF}"/>
+              </a:ext>
+            </a:extLst>
+          </p:cNvPr>
+          <p:cNvPicPr>
+            <a:picLocks noGrp="1" noChangeAspect="1"/>
+          </p:cNvPicPr>
+          <p:nvPr>
+            <p:ph sz="quarter" idx="4"/>
+          </p:nvPr>
+        </p:nvPicPr>
+        <p:blipFill>
+          <a:blip r:embed="rId3">
+            <a:extLst>
+              <a:ext uri="{28A0092B-C50C-407E-A947-70E740481C1C}">
+                <a14:useLocalDpi xmlns:a14="http://schemas.microsoft.com/office/drawing/2010/main" val="0"/>
+              </a:ext>
+            </a:extLst>
+          </a:blip>
+          <a:stretch>
+            <a:fillRect/>
+          </a:stretch>
+        </p:blipFill>
+        <p:spPr>
+          <a:xfrm>
+            <a:off x="6218238" y="2960070"/>
+            <a:ext cx="4937125" cy="2623786"/>
+          </a:xfrm>
+        </p:spPr>
+      </p:pic>
     </p:spTree>
     <p:extLst>
       <p:ext uri="{BB962C8B-B14F-4D97-AF65-F5344CB8AC3E}">
-        <p14:creationId xmlns:p14="http://schemas.microsoft.com/office/powerpoint/2010/main" val="1611749723"/>
+        <p14:creationId xmlns:p14="http://schemas.microsoft.com/office/powerpoint/2010/main" val="1878185549"/>
       </p:ext>
     </p:extLst>
   </p:cSld>
@@ -7180,7 +7731,7 @@
           <p:cNvPr id="2" name="Title 1">
             <a:extLst>
               <a:ext uri="{FF2B5EF4-FFF2-40B4-BE49-F238E27FC236}">
-                <a16:creationId xmlns:a16="http://schemas.microsoft.com/office/drawing/2014/main" id="{D2E1FBFD-0843-8952-2571-6477109CBC9D}"/>
+                <a16:creationId xmlns:a16="http://schemas.microsoft.com/office/drawing/2014/main" id="{9D66785B-0268-B2F3-AA8E-14791707A659}"/>
               </a:ext>
             </a:extLst>
           </p:cNvPr>
@@ -7193,78 +7744,82 @@
         </p:nvSpPr>
         <p:spPr/>
         <p:txBody>
-          <a:bodyPr/>
+          <a:bodyPr>
+            <a:normAutofit/>
+          </a:bodyPr>
           <a:lstStyle/>
           <a:p>
             <a:r>
-              <a:rPr lang="en-US" dirty="0"/>
-              <a:t>Vaccination Status by State</a:t>
-            </a:r>
-          </a:p>
-        </p:txBody>
-      </p:sp>
-      <p:sp>
-        <p:nvSpPr>
-          <p:cNvPr id="9" name="TextBox 8">
+              <a:rPr lang="en-US" sz="3600" dirty="0"/>
+              <a:t>Vaccination Status by State – Age Groups Continued</a:t>
+            </a:r>
+          </a:p>
+        </p:txBody>
+      </p:sp>
+      <p:sp>
+        <p:nvSpPr>
+          <p:cNvPr id="3" name="Text Placeholder 2">
             <a:extLst>
               <a:ext uri="{FF2B5EF4-FFF2-40B4-BE49-F238E27FC236}">
-                <a16:creationId xmlns:a16="http://schemas.microsoft.com/office/drawing/2014/main" id="{2BE1898A-FE02-FCB0-1217-3365C2082860}"/>
+                <a16:creationId xmlns:a16="http://schemas.microsoft.com/office/drawing/2014/main" id="{4AACC4D0-13AE-DE79-30ED-6F0F9459AD57}"/>
               </a:ext>
             </a:extLst>
           </p:cNvPr>
-          <p:cNvSpPr txBox="1"/>
-          <p:nvPr/>
-        </p:nvSpPr>
-        <p:spPr>
-          <a:xfrm>
-            <a:off x="9570720" y="2011680"/>
-            <a:ext cx="2275840" cy="1754326"/>
-          </a:xfrm>
-          <a:prstGeom prst="rect">
-            <a:avLst/>
-          </a:prstGeom>
-          <a:noFill/>
-        </p:spPr>
-        <p:txBody>
-          <a:bodyPr wrap="square" rtlCol="0">
-            <a:spAutoFit/>
-          </a:bodyPr>
+          <p:cNvSpPr>
+            <a:spLocks noGrp="1"/>
+          </p:cNvSpPr>
+          <p:nvPr>
+            <p:ph type="body" idx="1"/>
+          </p:nvPr>
+        </p:nvSpPr>
+        <p:spPr/>
+        <p:txBody>
+          <a:bodyPr/>
           <a:lstStyle/>
           <a:p>
+            <a:pPr algn="ctr"/>
             <a:r>
               <a:rPr lang="en-US" dirty="0"/>
-              <a:t>Mean – 68% (WI)</a:t>
-            </a:r>
-          </a:p>
-          <a:p>
-            <a:endParaRPr lang="en-US" dirty="0"/>
-          </a:p>
-          <a:p>
+              <a:t>Ages 18 and up</a:t>
+            </a:r>
+          </a:p>
+        </p:txBody>
+      </p:sp>
+      <p:sp>
+        <p:nvSpPr>
+          <p:cNvPr id="5" name="Text Placeholder 4">
+            <a:extLst>
+              <a:ext uri="{FF2B5EF4-FFF2-40B4-BE49-F238E27FC236}">
+                <a16:creationId xmlns:a16="http://schemas.microsoft.com/office/drawing/2014/main" id="{891E569B-933D-38A6-F637-3BAB804D1379}"/>
+              </a:ext>
+            </a:extLst>
+          </p:cNvPr>
+          <p:cNvSpPr>
+            <a:spLocks noGrp="1"/>
+          </p:cNvSpPr>
+          <p:nvPr>
+            <p:ph type="body" sz="quarter" idx="3"/>
+          </p:nvPr>
+        </p:nvSpPr>
+        <p:spPr/>
+        <p:txBody>
+          <a:bodyPr/>
+          <a:lstStyle/>
+          <a:p>
+            <a:pPr algn="ctr"/>
             <a:r>
               <a:rPr lang="en-US" dirty="0"/>
-              <a:t>Min – 53% (AL)</a:t>
-            </a:r>
-          </a:p>
-          <a:p>
-            <a:endParaRPr lang="en-US" dirty="0"/>
-          </a:p>
-          <a:p>
-            <a:r>
-              <a:rPr lang="en-US" dirty="0"/>
-              <a:t>Max – 87% (RI)</a:t>
-            </a:r>
-          </a:p>
-          <a:p>
-            <a:endParaRPr lang="en-US" dirty="0"/>
+              <a:t>Ages 65 and up</a:t>
+            </a:r>
           </a:p>
         </p:txBody>
       </p:sp>
       <p:pic>
         <p:nvPicPr>
-          <p:cNvPr id="13" name="Content Placeholder 12">
+          <p:cNvPr id="14" name="Content Placeholder 13">
             <a:extLst>
               <a:ext uri="{FF2B5EF4-FFF2-40B4-BE49-F238E27FC236}">
-                <a16:creationId xmlns:a16="http://schemas.microsoft.com/office/drawing/2014/main" id="{CF79CC70-63E6-E0C5-E732-EB2EDCF725E8}"/>
+                <a16:creationId xmlns:a16="http://schemas.microsoft.com/office/drawing/2014/main" id="{70A0F97D-B3E8-E3BE-9512-E18D7E2B6F71}"/>
               </a:ext>
             </a:extLst>
           </p:cNvPr>
@@ -7272,11 +7827,11 @@
             <a:picLocks noGrp="1" noChangeAspect="1"/>
           </p:cNvPicPr>
           <p:nvPr>
-            <p:ph idx="1"/>
+            <p:ph sz="half" idx="2"/>
           </p:nvPr>
         </p:nvPicPr>
         <p:blipFill>
-          <a:blip r:embed="rId2">
+          <a:blip r:embed="rId3">
             <a:extLst>
               <a:ext uri="{28A0092B-C50C-407E-A947-70E740481C1C}">
                 <a14:useLocalDpi xmlns:a14="http://schemas.microsoft.com/office/drawing/2010/main" val="0"/>
@@ -7289,15 +7844,50 @@
         </p:blipFill>
         <p:spPr>
           <a:xfrm>
-            <a:off x="1424389" y="1939782"/>
-            <a:ext cx="8006463" cy="4254956"/>
+            <a:off x="1096963" y="2959648"/>
+            <a:ext cx="4938712" cy="2624629"/>
+          </a:xfrm>
+        </p:spPr>
+      </p:pic>
+      <p:pic>
+        <p:nvPicPr>
+          <p:cNvPr id="18" name="Content Placeholder 17">
+            <a:extLst>
+              <a:ext uri="{FF2B5EF4-FFF2-40B4-BE49-F238E27FC236}">
+                <a16:creationId xmlns:a16="http://schemas.microsoft.com/office/drawing/2014/main" id="{73BC84EE-71B8-4A2B-17B0-1E2404A887BD}"/>
+              </a:ext>
+            </a:extLst>
+          </p:cNvPr>
+          <p:cNvPicPr>
+            <a:picLocks noGrp="1" noChangeAspect="1"/>
+          </p:cNvPicPr>
+          <p:nvPr>
+            <p:ph sz="quarter" idx="4"/>
+          </p:nvPr>
+        </p:nvPicPr>
+        <p:blipFill>
+          <a:blip r:embed="rId4">
+            <a:extLst>
+              <a:ext uri="{28A0092B-C50C-407E-A947-70E740481C1C}">
+                <a14:useLocalDpi xmlns:a14="http://schemas.microsoft.com/office/drawing/2010/main" val="0"/>
+              </a:ext>
+            </a:extLst>
+          </a:blip>
+          <a:stretch>
+            <a:fillRect/>
+          </a:stretch>
+        </p:blipFill>
+        <p:spPr>
+          <a:xfrm>
+            <a:off x="6218238" y="2960070"/>
+            <a:ext cx="4937125" cy="2623786"/>
           </a:xfrm>
         </p:spPr>
       </p:pic>
     </p:spTree>
     <p:extLst>
       <p:ext uri="{BB962C8B-B14F-4D97-AF65-F5344CB8AC3E}">
-        <p14:creationId xmlns:p14="http://schemas.microsoft.com/office/powerpoint/2010/main" val="2541148371"/>
+        <p14:creationId xmlns:p14="http://schemas.microsoft.com/office/powerpoint/2010/main" val="2662703547"/>
       </p:ext>
     </p:extLst>
   </p:cSld>
